--- a/(宣道詩57)充滿我.pptx
+++ b/(宣道詩57)充滿我.pptx
@@ -9,12 +9,8 @@
     <p:sldId id="257" r:id="rId3"/>
     <p:sldId id="258" r:id="rId4"/>
     <p:sldId id="259" r:id="rId5"/>
-    <p:sldId id="260" r:id="rId6"/>
-    <p:sldId id="261" r:id="rId7"/>
-    <p:sldId id="262" r:id="rId8"/>
-    <p:sldId id="263" r:id="rId9"/>
   </p:sldIdLst>
-  <p:sldSz cx="9144000" cy="6858000" type="screen4x3"/>
+  <p:sldSz cx="9144000" cy="5143500" type="screen16x9"/>
   <p:notesSz cx="6858000" cy="9144000"/>
   <p:defaultTextStyle>
     <a:defPPr>
@@ -143,8 +139,8 @@
         </p:nvSpPr>
         <p:spPr>
           <a:xfrm>
-            <a:off x="685800" y="2130425"/>
-            <a:ext cx="7772400" cy="1470025"/>
+            <a:off x="685800" y="1597819"/>
+            <a:ext cx="7772400" cy="1102519"/>
           </a:xfrm>
         </p:spPr>
         <p:txBody>
@@ -171,8 +167,8 @@
         </p:nvSpPr>
         <p:spPr>
           <a:xfrm>
-            <a:off x="1371600" y="3886200"/>
-            <a:ext cx="6400800" cy="1752600"/>
+            <a:off x="1371600" y="2914650"/>
+            <a:ext cx="6400800" cy="1314450"/>
           </a:xfrm>
         </p:spPr>
         <p:txBody>
@@ -296,7 +292,7 @@
             <a:fld id="{EF1BE2FD-7A5C-4745-A07B-B479A33393BD}" type="datetimeFigureOut">
               <a:rPr lang="zh-TW" altLang="en-US" smtClean="0"/>
               <a:pPr/>
-              <a:t>2018/4/24</a:t>
+              <a:t>2019/7/6</a:t>
             </a:fld>
             <a:endParaRPr lang="zh-TW" altLang="en-US"/>
           </a:p>
@@ -463,7 +459,7 @@
             <a:fld id="{EF1BE2FD-7A5C-4745-A07B-B479A33393BD}" type="datetimeFigureOut">
               <a:rPr lang="zh-TW" altLang="en-US" smtClean="0"/>
               <a:pPr/>
-              <a:t>2018/4/24</a:t>
+              <a:t>2019/7/6</a:t>
             </a:fld>
             <a:endParaRPr lang="zh-TW" altLang="en-US"/>
           </a:p>
@@ -549,8 +545,8 @@
         </p:nvSpPr>
         <p:spPr>
           <a:xfrm>
-            <a:off x="6629400" y="274638"/>
-            <a:ext cx="2057400" cy="5851525"/>
+            <a:off x="6629400" y="205979"/>
+            <a:ext cx="2057400" cy="4388644"/>
           </a:xfrm>
         </p:spPr>
         <p:txBody>
@@ -577,8 +573,8 @@
         </p:nvSpPr>
         <p:spPr>
           <a:xfrm>
-            <a:off x="457200" y="274638"/>
-            <a:ext cx="6019800" cy="5851525"/>
+            <a:off x="457200" y="205979"/>
+            <a:ext cx="6019800" cy="4388644"/>
           </a:xfrm>
         </p:spPr>
         <p:txBody>
@@ -640,7 +636,7 @@
             <a:fld id="{EF1BE2FD-7A5C-4745-A07B-B479A33393BD}" type="datetimeFigureOut">
               <a:rPr lang="zh-TW" altLang="en-US" smtClean="0"/>
               <a:pPr/>
-              <a:t>2018/4/24</a:t>
+              <a:t>2019/7/6</a:t>
             </a:fld>
             <a:endParaRPr lang="zh-TW" altLang="en-US"/>
           </a:p>
@@ -807,7 +803,7 @@
             <a:fld id="{EF1BE2FD-7A5C-4745-A07B-B479A33393BD}" type="datetimeFigureOut">
               <a:rPr lang="zh-TW" altLang="en-US" smtClean="0"/>
               <a:pPr/>
-              <a:t>2018/4/24</a:t>
+              <a:t>2019/7/6</a:t>
             </a:fld>
             <a:endParaRPr lang="zh-TW" altLang="en-US"/>
           </a:p>
@@ -893,8 +889,8 @@
         </p:nvSpPr>
         <p:spPr>
           <a:xfrm>
-            <a:off x="722313" y="4406900"/>
-            <a:ext cx="7772400" cy="1362075"/>
+            <a:off x="722313" y="3305176"/>
+            <a:ext cx="7772400" cy="1021556"/>
           </a:xfrm>
         </p:spPr>
         <p:txBody>
@@ -925,8 +921,8 @@
         </p:nvSpPr>
         <p:spPr>
           <a:xfrm>
-            <a:off x="722313" y="2906713"/>
-            <a:ext cx="7772400" cy="1500187"/>
+            <a:off x="722313" y="2180035"/>
+            <a:ext cx="7772400" cy="1125140"/>
           </a:xfrm>
         </p:spPr>
         <p:txBody>
@@ -1050,7 +1046,7 @@
             <a:fld id="{EF1BE2FD-7A5C-4745-A07B-B479A33393BD}" type="datetimeFigureOut">
               <a:rPr lang="zh-TW" altLang="en-US" smtClean="0"/>
               <a:pPr/>
-              <a:t>2018/4/24</a:t>
+              <a:t>2019/7/6</a:t>
             </a:fld>
             <a:endParaRPr lang="zh-TW" altLang="en-US"/>
           </a:p>
@@ -1159,8 +1155,8 @@
         </p:nvSpPr>
         <p:spPr>
           <a:xfrm>
-            <a:off x="457200" y="1600200"/>
-            <a:ext cx="4038600" cy="4525963"/>
+            <a:off x="457200" y="1200151"/>
+            <a:ext cx="4038600" cy="3394472"/>
           </a:xfrm>
         </p:spPr>
         <p:txBody>
@@ -1244,8 +1240,8 @@
         </p:nvSpPr>
         <p:spPr>
           <a:xfrm>
-            <a:off x="4648200" y="1600200"/>
-            <a:ext cx="4038600" cy="4525963"/>
+            <a:off x="4648200" y="1200151"/>
+            <a:ext cx="4038600" cy="3394472"/>
           </a:xfrm>
         </p:spPr>
         <p:txBody>
@@ -1335,7 +1331,7 @@
             <a:fld id="{EF1BE2FD-7A5C-4745-A07B-B479A33393BD}" type="datetimeFigureOut">
               <a:rPr lang="zh-TW" altLang="en-US" smtClean="0"/>
               <a:pPr/>
-              <a:t>2018/4/24</a:t>
+              <a:t>2019/7/6</a:t>
             </a:fld>
             <a:endParaRPr lang="zh-TW" altLang="en-US"/>
           </a:p>
@@ -1448,8 +1444,8 @@
         </p:nvSpPr>
         <p:spPr>
           <a:xfrm>
-            <a:off x="457200" y="1535113"/>
-            <a:ext cx="4040188" cy="639762"/>
+            <a:off x="457200" y="1151335"/>
+            <a:ext cx="4040188" cy="479822"/>
           </a:xfrm>
         </p:spPr>
         <p:txBody>
@@ -1513,8 +1509,8 @@
         </p:nvSpPr>
         <p:spPr>
           <a:xfrm>
-            <a:off x="457200" y="2174875"/>
-            <a:ext cx="4040188" cy="3951288"/>
+            <a:off x="457200" y="1631156"/>
+            <a:ext cx="4040188" cy="2963466"/>
           </a:xfrm>
         </p:spPr>
         <p:txBody>
@@ -1598,8 +1594,8 @@
         </p:nvSpPr>
         <p:spPr>
           <a:xfrm>
-            <a:off x="4645025" y="1535113"/>
-            <a:ext cx="4041775" cy="639762"/>
+            <a:off x="4645026" y="1151335"/>
+            <a:ext cx="4041775" cy="479822"/>
           </a:xfrm>
         </p:spPr>
         <p:txBody>
@@ -1663,8 +1659,8 @@
         </p:nvSpPr>
         <p:spPr>
           <a:xfrm>
-            <a:off x="4645025" y="2174875"/>
-            <a:ext cx="4041775" cy="3951288"/>
+            <a:off x="4645026" y="1631156"/>
+            <a:ext cx="4041775" cy="2963466"/>
           </a:xfrm>
         </p:spPr>
         <p:txBody>
@@ -1754,7 +1750,7 @@
             <a:fld id="{EF1BE2FD-7A5C-4745-A07B-B479A33393BD}" type="datetimeFigureOut">
               <a:rPr lang="zh-TW" altLang="en-US" smtClean="0"/>
               <a:pPr/>
-              <a:t>2018/4/24</a:t>
+              <a:t>2019/7/6</a:t>
             </a:fld>
             <a:endParaRPr lang="zh-TW" altLang="en-US"/>
           </a:p>
@@ -1869,7 +1865,7 @@
             <a:fld id="{EF1BE2FD-7A5C-4745-A07B-B479A33393BD}" type="datetimeFigureOut">
               <a:rPr lang="zh-TW" altLang="en-US" smtClean="0"/>
               <a:pPr/>
-              <a:t>2018/4/24</a:t>
+              <a:t>2019/7/6</a:t>
             </a:fld>
             <a:endParaRPr lang="zh-TW" altLang="en-US"/>
           </a:p>
@@ -1961,7 +1957,7 @@
             <a:fld id="{EF1BE2FD-7A5C-4745-A07B-B479A33393BD}" type="datetimeFigureOut">
               <a:rPr lang="zh-TW" altLang="en-US" smtClean="0"/>
               <a:pPr/>
-              <a:t>2018/4/24</a:t>
+              <a:t>2019/7/6</a:t>
             </a:fld>
             <a:endParaRPr lang="zh-TW" altLang="en-US"/>
           </a:p>
@@ -2047,8 +2043,8 @@
         </p:nvSpPr>
         <p:spPr>
           <a:xfrm>
-            <a:off x="457200" y="273050"/>
-            <a:ext cx="3008313" cy="1162050"/>
+            <a:off x="457201" y="204787"/>
+            <a:ext cx="3008313" cy="871538"/>
           </a:xfrm>
         </p:spPr>
         <p:txBody>
@@ -2079,8 +2075,8 @@
         </p:nvSpPr>
         <p:spPr>
           <a:xfrm>
-            <a:off x="3575050" y="273050"/>
-            <a:ext cx="5111750" cy="5853113"/>
+            <a:off x="3575050" y="204788"/>
+            <a:ext cx="5111750" cy="4389835"/>
           </a:xfrm>
         </p:spPr>
         <p:txBody>
@@ -2164,8 +2160,8 @@
         </p:nvSpPr>
         <p:spPr>
           <a:xfrm>
-            <a:off x="457200" y="1435100"/>
-            <a:ext cx="3008313" cy="4691063"/>
+            <a:off x="457201" y="1076326"/>
+            <a:ext cx="3008313" cy="3518297"/>
           </a:xfrm>
         </p:spPr>
         <p:txBody>
@@ -2235,7 +2231,7 @@
             <a:fld id="{EF1BE2FD-7A5C-4745-A07B-B479A33393BD}" type="datetimeFigureOut">
               <a:rPr lang="zh-TW" altLang="en-US" smtClean="0"/>
               <a:pPr/>
-              <a:t>2018/4/24</a:t>
+              <a:t>2019/7/6</a:t>
             </a:fld>
             <a:endParaRPr lang="zh-TW" altLang="en-US"/>
           </a:p>
@@ -2321,8 +2317,8 @@
         </p:nvSpPr>
         <p:spPr>
           <a:xfrm>
-            <a:off x="1792288" y="4800600"/>
-            <a:ext cx="5486400" cy="566738"/>
+            <a:off x="1792288" y="3600450"/>
+            <a:ext cx="5486400" cy="425054"/>
           </a:xfrm>
         </p:spPr>
         <p:txBody>
@@ -2353,8 +2349,8 @@
         </p:nvSpPr>
         <p:spPr>
           <a:xfrm>
-            <a:off x="1792288" y="612775"/>
-            <a:ext cx="5486400" cy="4114800"/>
+            <a:off x="1792288" y="459581"/>
+            <a:ext cx="5486400" cy="3086100"/>
           </a:xfrm>
         </p:spPr>
         <p:txBody>
@@ -2418,8 +2414,8 @@
         </p:nvSpPr>
         <p:spPr>
           <a:xfrm>
-            <a:off x="1792288" y="5367338"/>
-            <a:ext cx="5486400" cy="804862"/>
+            <a:off x="1792288" y="4025503"/>
+            <a:ext cx="5486400" cy="603647"/>
           </a:xfrm>
         </p:spPr>
         <p:txBody>
@@ -2489,7 +2485,7 @@
             <a:fld id="{EF1BE2FD-7A5C-4745-A07B-B479A33393BD}" type="datetimeFigureOut">
               <a:rPr lang="zh-TW" altLang="en-US" smtClean="0"/>
               <a:pPr/>
-              <a:t>2018/4/24</a:t>
+              <a:t>2019/7/6</a:t>
             </a:fld>
             <a:endParaRPr lang="zh-TW" altLang="en-US"/>
           </a:p>
@@ -2585,8 +2581,8 @@
         </p:nvSpPr>
         <p:spPr>
           <a:xfrm>
-            <a:off x="457200" y="274638"/>
-            <a:ext cx="8229600" cy="1143000"/>
+            <a:off x="457200" y="205979"/>
+            <a:ext cx="8229600" cy="857250"/>
           </a:xfrm>
           <a:prstGeom prst="rect">
             <a:avLst/>
@@ -2618,8 +2614,8 @@
         </p:nvSpPr>
         <p:spPr>
           <a:xfrm>
-            <a:off x="457200" y="1600200"/>
-            <a:ext cx="8229600" cy="4525963"/>
+            <a:off x="457200" y="1200151"/>
+            <a:ext cx="8229600" cy="3394472"/>
           </a:xfrm>
           <a:prstGeom prst="rect">
             <a:avLst/>
@@ -2680,8 +2676,8 @@
         </p:nvSpPr>
         <p:spPr>
           <a:xfrm>
-            <a:off x="457200" y="6356350"/>
-            <a:ext cx="2133600" cy="365125"/>
+            <a:off x="457200" y="4767263"/>
+            <a:ext cx="2133600" cy="273844"/>
           </a:xfrm>
           <a:prstGeom prst="rect">
             <a:avLst/>
@@ -2704,7 +2700,7 @@
             <a:fld id="{EF1BE2FD-7A5C-4745-A07B-B479A33393BD}" type="datetimeFigureOut">
               <a:rPr lang="zh-TW" altLang="en-US" smtClean="0"/>
               <a:pPr/>
-              <a:t>2018/4/24</a:t>
+              <a:t>2019/7/6</a:t>
             </a:fld>
             <a:endParaRPr lang="zh-TW" altLang="en-US"/>
           </a:p>
@@ -2722,8 +2718,8 @@
         </p:nvSpPr>
         <p:spPr>
           <a:xfrm>
-            <a:off x="3124200" y="6356350"/>
-            <a:ext cx="2895600" cy="365125"/>
+            <a:off x="3124200" y="4767263"/>
+            <a:ext cx="2895600" cy="273844"/>
           </a:xfrm>
           <a:prstGeom prst="rect">
             <a:avLst/>
@@ -2759,8 +2755,8 @@
         </p:nvSpPr>
         <p:spPr>
           <a:xfrm>
-            <a:off x="6553200" y="6356350"/>
-            <a:ext cx="2133600" cy="365125"/>
+            <a:off x="6553200" y="4767263"/>
+            <a:ext cx="2133600" cy="273844"/>
           </a:xfrm>
           <a:prstGeom prst="rect">
             <a:avLst/>
@@ -3080,7 +3076,7 @@
           <p:cNvPr id="2" name="Title 1">
             <a:extLst>
               <a:ext uri="{FF2B5EF4-FFF2-40B4-BE49-F238E27FC236}">
-                <a16:creationId xmlns:a16="http://schemas.microsoft.com/office/drawing/2014/main" xmlns="" id="{087CBC1E-F37A-4D1B-B473-0BF3635162D9}"/>
+                <a16:creationId xmlns="" xmlns:a16="http://schemas.microsoft.com/office/drawing/2014/main" id="{087CBC1E-F37A-4D1B-B473-0BF3635162D9}"/>
               </a:ext>
             </a:extLst>
           </p:cNvPr>
@@ -3093,18 +3089,26 @@
         </p:nvSpPr>
         <p:spPr/>
         <p:txBody>
-          <a:bodyPr/>
+          <a:bodyPr>
+            <a:normAutofit/>
+          </a:bodyPr>
           <a:lstStyle/>
           <a:p>
             <a:pPr algn="ctr"/>
             <a:r>
-              <a:rPr lang="zh-CN" altLang="en-US" b="1" dirty="0">
+              <a:rPr lang="zh-CN" altLang="en-US" sz="4000" b="1" dirty="0">
+                <a:solidFill>
+                  <a:srgbClr val="660033"/>
+                </a:solidFill>
                 <a:latin typeface="Microsoft JhengHei" panose="020B0604030504040204" pitchFamily="34" charset="-120"/>
                 <a:ea typeface="Microsoft JhengHei" panose="020B0604030504040204" pitchFamily="34" charset="-120"/>
               </a:rPr>
               <a:t>充滿我</a:t>
             </a:r>
-            <a:endParaRPr lang="en-US" b="1" dirty="0">
+            <a:endParaRPr lang="en-US" sz="4000" b="1" dirty="0">
+              <a:solidFill>
+                <a:srgbClr val="660033"/>
+              </a:solidFill>
               <a:latin typeface="Microsoft JhengHei" panose="020B0604030504040204" pitchFamily="34" charset="-120"/>
               <a:ea typeface="Microsoft JhengHei" panose="020B0604030504040204" pitchFamily="34" charset="-120"/>
             </a:endParaRPr>
@@ -3116,7 +3120,7 @@
           <p:cNvPr id="3" name="Content Placeholder 2">
             <a:extLst>
               <a:ext uri="{FF2B5EF4-FFF2-40B4-BE49-F238E27FC236}">
-                <a16:creationId xmlns:a16="http://schemas.microsoft.com/office/drawing/2014/main" xmlns="" id="{5D99624C-92D2-4704-98F5-EA3D1B79589B}"/>
+                <a16:creationId xmlns="" xmlns:a16="http://schemas.microsoft.com/office/drawing/2014/main" id="{5D99624C-92D2-4704-98F5-EA3D1B79589B}"/>
               </a:ext>
             </a:extLst>
           </p:cNvPr>
@@ -3127,7 +3131,12 @@
             <p:ph idx="1"/>
           </p:nvPr>
         </p:nvSpPr>
-        <p:spPr/>
+        <p:spPr>
+          <a:xfrm>
+            <a:off x="0" y="1200151"/>
+            <a:ext cx="9144000" cy="3394472"/>
+          </a:xfrm>
+        </p:spPr>
         <p:txBody>
           <a:bodyPr>
             <a:normAutofit/>
@@ -3138,13 +3147,59 @@
               <a:buNone/>
             </a:pPr>
             <a:r>
-              <a:rPr lang="zh-CN" altLang="en-US" sz="5400" b="1" dirty="0">
-                <a:latin typeface="Microsoft JhengHei" panose="020B0604030504040204" pitchFamily="34" charset="-120"/>
-                <a:ea typeface="Microsoft JhengHei" panose="020B0604030504040204" pitchFamily="34" charset="-120"/>
-              </a:rPr>
-              <a:t>真理聖靈在我心中</a:t>
-            </a:r>
-            <a:endParaRPr lang="en-US" altLang="zh-CN" sz="5400" b="1" dirty="0">
+              <a:rPr lang="zh-CN" altLang="en-US" sz="4400" b="1" dirty="0">
+                <a:solidFill>
+                  <a:srgbClr val="660033"/>
+                </a:solidFill>
+                <a:latin typeface="Microsoft JhengHei" panose="020B0604030504040204" pitchFamily="34" charset="-120"/>
+                <a:ea typeface="Microsoft JhengHei" panose="020B0604030504040204" pitchFamily="34" charset="-120"/>
+              </a:rPr>
+              <a:t>真理聖靈在我心</a:t>
+            </a:r>
+            <a:r>
+              <a:rPr lang="zh-CN" altLang="en-US" sz="4400" b="1" dirty="0" smtClean="0">
+                <a:solidFill>
+                  <a:srgbClr val="660033"/>
+                </a:solidFill>
+                <a:latin typeface="Microsoft JhengHei" panose="020B0604030504040204" pitchFamily="34" charset="-120"/>
+                <a:ea typeface="Microsoft JhengHei" panose="020B0604030504040204" pitchFamily="34" charset="-120"/>
+              </a:rPr>
+              <a:t>中</a:t>
+            </a:r>
+            <a:r>
+              <a:rPr lang="en-US" altLang="zh-CN" sz="4400" b="1" dirty="0">
+                <a:solidFill>
+                  <a:srgbClr val="660033"/>
+                </a:solidFill>
+                <a:latin typeface="Microsoft JhengHei" panose="020B0604030504040204" pitchFamily="34" charset="-120"/>
+                <a:ea typeface="Microsoft JhengHei" panose="020B0604030504040204" pitchFamily="34" charset="-120"/>
+              </a:rPr>
+              <a:t> </a:t>
+            </a:r>
+            <a:r>
+              <a:rPr lang="en-US" altLang="zh-CN" sz="4400" b="1" dirty="0" smtClean="0">
+                <a:solidFill>
+                  <a:srgbClr val="660033"/>
+                </a:solidFill>
+                <a:latin typeface="Microsoft JhengHei" panose="020B0604030504040204" pitchFamily="34" charset="-120"/>
+                <a:ea typeface="Microsoft JhengHei" panose="020B0604030504040204" pitchFamily="34" charset="-120"/>
+              </a:rPr>
+              <a:t> </a:t>
+            </a:r>
+            <a:r>
+              <a:rPr lang="zh-CN" altLang="en-US" sz="4400" b="1" dirty="0" smtClean="0">
+                <a:solidFill>
+                  <a:srgbClr val="660033"/>
+                </a:solidFill>
+                <a:latin typeface="Microsoft JhengHei" panose="020B0604030504040204" pitchFamily="34" charset="-120"/>
+                <a:ea typeface="Microsoft JhengHei" panose="020B0604030504040204" pitchFamily="34" charset="-120"/>
+              </a:rPr>
+              <a:t>自由運行作善工</a:t>
+            </a:r>
+            <a:endParaRPr lang="en-US" altLang="zh-CN" sz="4400" b="1" dirty="0" smtClean="0">
+              <a:solidFill>
+                <a:srgbClr val="660033"/>
+              </a:solidFill>
               <a:latin typeface="Microsoft JhengHei" panose="020B0604030504040204" pitchFamily="34" charset="-120"/>
               <a:ea typeface="Microsoft JhengHei" panose="020B0604030504040204" pitchFamily="34" charset="-120"/>
             </a:endParaRPr>
@@ -3154,13 +3209,89 @@
               <a:buNone/>
             </a:pPr>
             <a:r>
-              <a:rPr lang="zh-CN" altLang="en-US" sz="5400" b="1" dirty="0">
-                <a:latin typeface="Microsoft JhengHei" panose="020B0604030504040204" pitchFamily="34" charset="-120"/>
-                <a:ea typeface="Microsoft JhengHei" panose="020B0604030504040204" pitchFamily="34" charset="-120"/>
-              </a:rPr>
-              <a:t>自由運行作善工</a:t>
-            </a:r>
-            <a:endParaRPr lang="en-US" altLang="zh-CN" sz="5400" b="1" dirty="0">
+              <a:rPr lang="zh-CN" altLang="en-US" sz="4400" b="1" dirty="0" smtClean="0">
+                <a:solidFill>
+                  <a:srgbClr val="660033"/>
+                </a:solidFill>
+                <a:latin typeface="Microsoft JhengHei" panose="020B0604030504040204" pitchFamily="34" charset="-120"/>
+                <a:ea typeface="Microsoft JhengHei" panose="020B0604030504040204" pitchFamily="34" charset="-120"/>
+              </a:rPr>
+              <a:t>發</a:t>
+            </a:r>
+            <a:r>
+              <a:rPr lang="zh-CN" altLang="en-US" sz="4400" b="1" dirty="0">
+                <a:solidFill>
+                  <a:srgbClr val="660033"/>
+                </a:solidFill>
+                <a:latin typeface="Microsoft JhengHei" panose="020B0604030504040204" pitchFamily="34" charset="-120"/>
+                <a:ea typeface="Microsoft JhengHei" panose="020B0604030504040204" pitchFamily="34" charset="-120"/>
+              </a:rPr>
+              <a:t>亮光照耀我心</a:t>
+            </a:r>
+            <a:r>
+              <a:rPr lang="zh-CN" altLang="en-US" sz="4400" b="1" dirty="0" smtClean="0">
+                <a:solidFill>
+                  <a:srgbClr val="660033"/>
+                </a:solidFill>
+                <a:latin typeface="Microsoft JhengHei" panose="020B0604030504040204" pitchFamily="34" charset="-120"/>
+                <a:ea typeface="Microsoft JhengHei" panose="020B0604030504040204" pitchFamily="34" charset="-120"/>
+              </a:rPr>
+              <a:t>裏</a:t>
+            </a:r>
+            <a:r>
+              <a:rPr lang="en-US" altLang="zh-CN" sz="4400" b="1" dirty="0">
+                <a:solidFill>
+                  <a:srgbClr val="660033"/>
+                </a:solidFill>
+                <a:latin typeface="Microsoft JhengHei" panose="020B0604030504040204" pitchFamily="34" charset="-120"/>
+                <a:ea typeface="Microsoft JhengHei" panose="020B0604030504040204" pitchFamily="34" charset="-120"/>
+              </a:rPr>
+              <a:t> </a:t>
+            </a:r>
+            <a:r>
+              <a:rPr lang="en-US" altLang="zh-CN" sz="4400" b="1" dirty="0" smtClean="0">
+                <a:solidFill>
+                  <a:srgbClr val="660033"/>
+                </a:solidFill>
+                <a:latin typeface="Microsoft JhengHei" panose="020B0604030504040204" pitchFamily="34" charset="-120"/>
+                <a:ea typeface="Microsoft JhengHei" panose="020B0604030504040204" pitchFamily="34" charset="-120"/>
+              </a:rPr>
+              <a:t> </a:t>
+            </a:r>
+            <a:r>
+              <a:rPr lang="zh-CN" altLang="en-US" sz="4400" b="1" dirty="0" smtClean="0">
+                <a:solidFill>
+                  <a:srgbClr val="660033"/>
+                </a:solidFill>
+                <a:latin typeface="Microsoft JhengHei" panose="020B0604030504040204" pitchFamily="34" charset="-120"/>
+                <a:ea typeface="Microsoft JhengHei" panose="020B0604030504040204" pitchFamily="34" charset="-120"/>
+              </a:rPr>
+              <a:t>教</a:t>
+            </a:r>
+            <a:r>
+              <a:rPr lang="zh-CN" altLang="en-US" sz="4400" b="1" dirty="0">
+                <a:solidFill>
+                  <a:srgbClr val="660033"/>
+                </a:solidFill>
+                <a:latin typeface="Microsoft JhengHei" panose="020B0604030504040204" pitchFamily="34" charset="-120"/>
+                <a:ea typeface="Microsoft JhengHei" panose="020B0604030504040204" pitchFamily="34" charset="-120"/>
+              </a:rPr>
+              <a:t>我識主並自</a:t>
+            </a:r>
+            <a:r>
+              <a:rPr lang="zh-CN" altLang="en-US" sz="4400" b="1" dirty="0" smtClean="0">
+                <a:solidFill>
+                  <a:srgbClr val="660033"/>
+                </a:solidFill>
+                <a:latin typeface="Microsoft JhengHei" panose="020B0604030504040204" pitchFamily="34" charset="-120"/>
+                <a:ea typeface="Microsoft JhengHei" panose="020B0604030504040204" pitchFamily="34" charset="-120"/>
+              </a:rPr>
+              <a:t>己</a:t>
+            </a:r>
+            <a:endParaRPr lang="en-US" altLang="zh-CN" sz="4400" b="1" dirty="0" smtClean="0">
+              <a:solidFill>
+                <a:srgbClr val="660033"/>
+              </a:solidFill>
               <a:latin typeface="Microsoft JhengHei" panose="020B0604030504040204" pitchFamily="34" charset="-120"/>
               <a:ea typeface="Microsoft JhengHei" panose="020B0604030504040204" pitchFamily="34" charset="-120"/>
             </a:endParaRPr>
@@ -3170,13 +3301,39 @@
               <a:buNone/>
             </a:pPr>
             <a:r>
-              <a:rPr lang="zh-CN" altLang="en-US" sz="5400" b="1" dirty="0">
-                <a:latin typeface="Microsoft JhengHei" panose="020B0604030504040204" pitchFamily="34" charset="-120"/>
-                <a:ea typeface="Microsoft JhengHei" panose="020B0604030504040204" pitchFamily="34" charset="-120"/>
-              </a:rPr>
-              <a:t>發亮光照耀我心裏</a:t>
-            </a:r>
-            <a:endParaRPr lang="en-US" altLang="zh-CN" sz="5400" b="1" dirty="0">
+              <a:rPr lang="zh-CN" altLang="en-US" sz="4400" b="1" dirty="0">
+                <a:solidFill>
+                  <a:srgbClr val="660033"/>
+                </a:solidFill>
+                <a:latin typeface="Microsoft JhengHei" panose="020B0604030504040204" pitchFamily="34" charset="-120"/>
+                <a:ea typeface="Microsoft JhengHei" panose="020B0604030504040204" pitchFamily="34" charset="-120"/>
+              </a:rPr>
+              <a:t>充滿我充滿我</a:t>
+            </a:r>
+            <a:r>
+              <a:rPr lang="en-US" altLang="zh-CN" sz="4400" b="1" dirty="0">
+                <a:solidFill>
+                  <a:srgbClr val="660033"/>
+                </a:solidFill>
+                <a:latin typeface="Microsoft JhengHei" panose="020B0604030504040204" pitchFamily="34" charset="-120"/>
+                <a:ea typeface="Microsoft JhengHei" panose="020B0604030504040204" pitchFamily="34" charset="-120"/>
+              </a:rPr>
+              <a:t>  </a:t>
+            </a:r>
+            <a:r>
+              <a:rPr lang="zh-CN" altLang="en-US" sz="4400" b="1" dirty="0">
+                <a:solidFill>
+                  <a:srgbClr val="660033"/>
+                </a:solidFill>
+                <a:latin typeface="Microsoft JhengHei" panose="020B0604030504040204" pitchFamily="34" charset="-120"/>
+                <a:ea typeface="Microsoft JhengHei" panose="020B0604030504040204" pitchFamily="34" charset="-120"/>
+              </a:rPr>
+              <a:t>求耶穌來充滿我</a:t>
+            </a:r>
+            <a:endParaRPr lang="en-US" altLang="zh-CN" sz="4400" b="1" dirty="0">
+              <a:solidFill>
+                <a:srgbClr val="660033"/>
+              </a:solidFill>
               <a:latin typeface="Microsoft JhengHei" panose="020B0604030504040204" pitchFamily="34" charset="-120"/>
               <a:ea typeface="Microsoft JhengHei" panose="020B0604030504040204" pitchFamily="34" charset="-120"/>
             </a:endParaRPr>
@@ -3186,13 +3343,29 @@
               <a:buNone/>
             </a:pPr>
             <a:r>
-              <a:rPr lang="zh-CN" altLang="en-US" sz="5400" b="1" dirty="0">
-                <a:latin typeface="Microsoft JhengHei" panose="020B0604030504040204" pitchFamily="34" charset="-120"/>
-                <a:ea typeface="Microsoft JhengHei" panose="020B0604030504040204" pitchFamily="34" charset="-120"/>
-              </a:rPr>
-              <a:t>教我識主並自己</a:t>
-            </a:r>
-            <a:endParaRPr lang="en-US" altLang="zh-CN" sz="5400" b="1" dirty="0">
+              <a:rPr lang="zh-CN" altLang="en-US" sz="4400" b="1" dirty="0">
+                <a:solidFill>
+                  <a:srgbClr val="660033"/>
+                </a:solidFill>
+                <a:latin typeface="Microsoft JhengHei" panose="020B0604030504040204" pitchFamily="34" charset="-120"/>
+                <a:ea typeface="Microsoft JhengHei" panose="020B0604030504040204" pitchFamily="34" charset="-120"/>
+              </a:rPr>
+              <a:t>榮耀聖靈來充滿我  願主現在充滿</a:t>
+            </a:r>
+            <a:r>
+              <a:rPr lang="zh-CN" altLang="en-US" sz="4400" b="1" dirty="0" smtClean="0">
+                <a:solidFill>
+                  <a:srgbClr val="660033"/>
+                </a:solidFill>
+                <a:latin typeface="Microsoft JhengHei" panose="020B0604030504040204" pitchFamily="34" charset="-120"/>
+                <a:ea typeface="Microsoft JhengHei" panose="020B0604030504040204" pitchFamily="34" charset="-120"/>
+              </a:rPr>
+              <a:t>我</a:t>
+            </a:r>
+            <a:endParaRPr lang="en-US" altLang="zh-CN" sz="4400" b="1" dirty="0">
+              <a:solidFill>
+                <a:srgbClr val="660033"/>
+              </a:solidFill>
               <a:latin typeface="Microsoft JhengHei" panose="020B0604030504040204" pitchFamily="34" charset="-120"/>
               <a:ea typeface="Microsoft JhengHei" panose="020B0604030504040204" pitchFamily="34" charset="-120"/>
             </a:endParaRPr>
@@ -3202,7 +3375,7 @@
     </p:spTree>
     <p:extLst>
       <p:ext uri="{BB962C8B-B14F-4D97-AF65-F5344CB8AC3E}">
-        <p14:creationId xmlns:p14="http://schemas.microsoft.com/office/powerpoint/2010/main" xmlns="" val="2762441144"/>
+        <p14:creationId xmlns:p14="http://schemas.microsoft.com/office/powerpoint/2010/main" val="1111608370"/>
       </p:ext>
     </p:extLst>
   </p:cSld>
@@ -3234,7 +3407,7 @@
           <p:cNvPr id="2" name="Title 1">
             <a:extLst>
               <a:ext uri="{FF2B5EF4-FFF2-40B4-BE49-F238E27FC236}">
-                <a16:creationId xmlns:a16="http://schemas.microsoft.com/office/drawing/2014/main" xmlns="" id="{087CBC1E-F37A-4D1B-B473-0BF3635162D9}"/>
+                <a16:creationId xmlns="" xmlns:a16="http://schemas.microsoft.com/office/drawing/2014/main" id="{087CBC1E-F37A-4D1B-B473-0BF3635162D9}"/>
               </a:ext>
             </a:extLst>
           </p:cNvPr>
@@ -3247,18 +3420,25 @@
         </p:nvSpPr>
         <p:spPr/>
         <p:txBody>
-          <a:bodyPr/>
-          <a:lstStyle/>
-          <a:p>
-            <a:pPr algn="ctr"/>
-            <a:r>
-              <a:rPr lang="zh-CN" altLang="en-US" b="1" dirty="0">
+          <a:bodyPr>
+            <a:normAutofit/>
+          </a:bodyPr>
+          <a:lstStyle/>
+          <a:p>
+            <a:r>
+              <a:rPr lang="zh-CN" altLang="en-US" sz="4000" b="1" dirty="0">
+                <a:solidFill>
+                  <a:srgbClr val="660033"/>
+                </a:solidFill>
                 <a:latin typeface="Microsoft JhengHei" panose="020B0604030504040204" pitchFamily="34" charset="-120"/>
                 <a:ea typeface="Microsoft JhengHei" panose="020B0604030504040204" pitchFamily="34" charset="-120"/>
               </a:rPr>
               <a:t>充滿我</a:t>
             </a:r>
-            <a:endParaRPr lang="en-US" b="1" dirty="0">
+            <a:endParaRPr lang="en-US" sz="4000" b="1" dirty="0">
+              <a:solidFill>
+                <a:srgbClr val="660033"/>
+              </a:solidFill>
               <a:latin typeface="Microsoft JhengHei" panose="020B0604030504040204" pitchFamily="34" charset="-120"/>
               <a:ea typeface="Microsoft JhengHei" panose="020B0604030504040204" pitchFamily="34" charset="-120"/>
             </a:endParaRPr>
@@ -3270,7 +3450,7 @@
           <p:cNvPr id="3" name="Content Placeholder 2">
             <a:extLst>
               <a:ext uri="{FF2B5EF4-FFF2-40B4-BE49-F238E27FC236}">
-                <a16:creationId xmlns:a16="http://schemas.microsoft.com/office/drawing/2014/main" xmlns="" id="{5D99624C-92D2-4704-98F5-EA3D1B79589B}"/>
+                <a16:creationId xmlns="" xmlns:a16="http://schemas.microsoft.com/office/drawing/2014/main" id="{5D99624C-92D2-4704-98F5-EA3D1B79589B}"/>
               </a:ext>
             </a:extLst>
           </p:cNvPr>
@@ -3281,7 +3461,12 @@
             <p:ph idx="1"/>
           </p:nvPr>
         </p:nvSpPr>
-        <p:spPr/>
+        <p:spPr>
+          <a:xfrm>
+            <a:off x="0" y="1200151"/>
+            <a:ext cx="9144000" cy="3394472"/>
+          </a:xfrm>
+        </p:spPr>
         <p:txBody>
           <a:bodyPr>
             <a:normAutofit/>
@@ -3292,13 +3477,69 @@
               <a:buNone/>
             </a:pPr>
             <a:r>
-              <a:rPr lang="zh-CN" altLang="en-US" sz="5400" b="1" dirty="0">
-                <a:latin typeface="Microsoft JhengHei" panose="020B0604030504040204" pitchFamily="34" charset="-120"/>
-                <a:ea typeface="Microsoft JhengHei" panose="020B0604030504040204" pitchFamily="34" charset="-120"/>
-              </a:rPr>
-              <a:t>充滿我充滿我</a:t>
-            </a:r>
-            <a:endParaRPr lang="en-US" altLang="zh-CN" sz="5400" b="1" dirty="0">
+              <a:rPr lang="zh-CN" altLang="en-US" sz="4400" b="1" dirty="0">
+                <a:solidFill>
+                  <a:srgbClr val="660033"/>
+                </a:solidFill>
+                <a:latin typeface="Microsoft JhengHei" panose="020B0604030504040204" pitchFamily="34" charset="-120"/>
+                <a:ea typeface="Microsoft JhengHei" panose="020B0604030504040204" pitchFamily="34" charset="-120"/>
+              </a:rPr>
+              <a:t>懇求聖靈來釋放</a:t>
+            </a:r>
+            <a:r>
+              <a:rPr lang="zh-CN" altLang="en-US" sz="4400" b="1" dirty="0" smtClean="0">
+                <a:solidFill>
+                  <a:srgbClr val="660033"/>
+                </a:solidFill>
+                <a:latin typeface="Microsoft JhengHei" panose="020B0604030504040204" pitchFamily="34" charset="-120"/>
+                <a:ea typeface="Microsoft JhengHei" panose="020B0604030504040204" pitchFamily="34" charset="-120"/>
+              </a:rPr>
+              <a:t>我</a:t>
+            </a:r>
+            <a:r>
+              <a:rPr lang="en-US" altLang="zh-CN" sz="4400" b="1" dirty="0">
+                <a:solidFill>
+                  <a:srgbClr val="660033"/>
+                </a:solidFill>
+                <a:latin typeface="Microsoft JhengHei" panose="020B0604030504040204" pitchFamily="34" charset="-120"/>
+                <a:ea typeface="Microsoft JhengHei" panose="020B0604030504040204" pitchFamily="34" charset="-120"/>
+              </a:rPr>
+              <a:t> </a:t>
+            </a:r>
+            <a:r>
+              <a:rPr lang="en-US" altLang="zh-CN" sz="4400" b="1" dirty="0" smtClean="0">
+                <a:solidFill>
+                  <a:srgbClr val="660033"/>
+                </a:solidFill>
+                <a:latin typeface="Microsoft JhengHei" panose="020B0604030504040204" pitchFamily="34" charset="-120"/>
+                <a:ea typeface="Microsoft JhengHei" panose="020B0604030504040204" pitchFamily="34" charset="-120"/>
+              </a:rPr>
+              <a:t> </a:t>
+            </a:r>
+            <a:r>
+              <a:rPr lang="zh-CN" altLang="en-US" sz="4400" b="1" dirty="0" smtClean="0">
+                <a:solidFill>
+                  <a:srgbClr val="660033"/>
+                </a:solidFill>
+                <a:latin typeface="Microsoft JhengHei" panose="020B0604030504040204" pitchFamily="34" charset="-120"/>
+                <a:ea typeface="Microsoft JhengHei" panose="020B0604030504040204" pitchFamily="34" charset="-120"/>
+              </a:rPr>
+              <a:t>罪</a:t>
+            </a:r>
+            <a:r>
+              <a:rPr lang="zh-CN" altLang="en-US" sz="4400" b="1" dirty="0">
+                <a:solidFill>
+                  <a:srgbClr val="660033"/>
+                </a:solidFill>
+                <a:latin typeface="Microsoft JhengHei" panose="020B0604030504040204" pitchFamily="34" charset="-120"/>
+                <a:ea typeface="Microsoft JhengHei" panose="020B0604030504040204" pitchFamily="34" charset="-120"/>
+              </a:rPr>
+              <a:t>與死律致盡脫</a:t>
+            </a:r>
+            <a:endParaRPr lang="en-US" altLang="zh-CN" sz="4400" b="1" dirty="0">
+              <a:solidFill>
+                <a:srgbClr val="660033"/>
+              </a:solidFill>
               <a:latin typeface="Microsoft JhengHei" panose="020B0604030504040204" pitchFamily="34" charset="-120"/>
               <a:ea typeface="Microsoft JhengHei" panose="020B0604030504040204" pitchFamily="34" charset="-120"/>
             </a:endParaRPr>
@@ -3308,13 +3549,79 @@
               <a:buNone/>
             </a:pPr>
             <a:r>
-              <a:rPr lang="zh-CN" altLang="en-US" sz="5400" b="1" dirty="0">
-                <a:latin typeface="Microsoft JhengHei" panose="020B0604030504040204" pitchFamily="34" charset="-120"/>
-                <a:ea typeface="Microsoft JhengHei" panose="020B0604030504040204" pitchFamily="34" charset="-120"/>
-              </a:rPr>
-              <a:t>求耶穌來充滿我</a:t>
-            </a:r>
-            <a:endParaRPr lang="en-US" altLang="zh-CN" sz="5400" b="1" dirty="0">
+              <a:rPr lang="zh-CN" altLang="en-US" sz="4400" b="1" dirty="0">
+                <a:solidFill>
+                  <a:srgbClr val="660033"/>
+                </a:solidFill>
+                <a:latin typeface="Microsoft JhengHei" panose="020B0604030504040204" pitchFamily="34" charset="-120"/>
+                <a:ea typeface="Microsoft JhengHei" panose="020B0604030504040204" pitchFamily="34" charset="-120"/>
+              </a:rPr>
+              <a:t>除去污穢使我成</a:t>
+            </a:r>
+            <a:r>
+              <a:rPr lang="zh-CN" altLang="en-US" sz="4400" b="1" dirty="0" smtClean="0">
+                <a:solidFill>
+                  <a:srgbClr val="660033"/>
+                </a:solidFill>
+                <a:latin typeface="Microsoft JhengHei" panose="020B0604030504040204" pitchFamily="34" charset="-120"/>
+                <a:ea typeface="Microsoft JhengHei" panose="020B0604030504040204" pitchFamily="34" charset="-120"/>
+              </a:rPr>
+              <a:t>聖</a:t>
+            </a:r>
+            <a:r>
+              <a:rPr lang="en-US" altLang="zh-CN" sz="4400" b="1" dirty="0">
+                <a:solidFill>
+                  <a:srgbClr val="660033"/>
+                </a:solidFill>
+                <a:latin typeface="Microsoft JhengHei" panose="020B0604030504040204" pitchFamily="34" charset="-120"/>
+                <a:ea typeface="Microsoft JhengHei" panose="020B0604030504040204" pitchFamily="34" charset="-120"/>
+              </a:rPr>
+              <a:t> </a:t>
+            </a:r>
+            <a:r>
+              <a:rPr lang="en-US" altLang="zh-CN" sz="4400" b="1" dirty="0" smtClean="0">
+                <a:solidFill>
+                  <a:srgbClr val="660033"/>
+                </a:solidFill>
+                <a:latin typeface="Microsoft JhengHei" panose="020B0604030504040204" pitchFamily="34" charset="-120"/>
+                <a:ea typeface="Microsoft JhengHei" panose="020B0604030504040204" pitchFamily="34" charset="-120"/>
+              </a:rPr>
+              <a:t> </a:t>
+            </a:r>
+            <a:r>
+              <a:rPr lang="zh-CN" altLang="en-US" sz="4400" b="1" dirty="0" smtClean="0">
+                <a:solidFill>
+                  <a:srgbClr val="660033"/>
+                </a:solidFill>
+                <a:latin typeface="Microsoft JhengHei" panose="020B0604030504040204" pitchFamily="34" charset="-120"/>
+                <a:ea typeface="Microsoft JhengHei" panose="020B0604030504040204" pitchFamily="34" charset="-120"/>
+              </a:rPr>
+              <a:t>平</a:t>
+            </a:r>
+            <a:r>
+              <a:rPr lang="zh-CN" altLang="en-US" sz="4400" b="1" dirty="0">
+                <a:solidFill>
+                  <a:srgbClr val="660033"/>
+                </a:solidFill>
+                <a:latin typeface="Microsoft JhengHei" panose="020B0604030504040204" pitchFamily="34" charset="-120"/>
+                <a:ea typeface="Microsoft JhengHei" panose="020B0604030504040204" pitchFamily="34" charset="-120"/>
+              </a:rPr>
+              <a:t>安喜樂常得</a:t>
+            </a:r>
+            <a:r>
+              <a:rPr lang="zh-CN" altLang="en-US" sz="4400" b="1" dirty="0" smtClean="0">
+                <a:solidFill>
+                  <a:srgbClr val="660033"/>
+                </a:solidFill>
+                <a:latin typeface="Microsoft JhengHei" panose="020B0604030504040204" pitchFamily="34" charset="-120"/>
+                <a:ea typeface="Microsoft JhengHei" panose="020B0604030504040204" pitchFamily="34" charset="-120"/>
+              </a:rPr>
+              <a:t>勝</a:t>
+            </a:r>
+            <a:endParaRPr lang="en-US" altLang="zh-CN" sz="4400" b="1" dirty="0" smtClean="0">
+              <a:solidFill>
+                <a:srgbClr val="660033"/>
+              </a:solidFill>
               <a:latin typeface="Microsoft JhengHei" panose="020B0604030504040204" pitchFamily="34" charset="-120"/>
               <a:ea typeface="Microsoft JhengHei" panose="020B0604030504040204" pitchFamily="34" charset="-120"/>
             </a:endParaRPr>
@@ -3324,13 +3631,39 @@
               <a:buNone/>
             </a:pPr>
             <a:r>
-              <a:rPr lang="zh-CN" altLang="en-US" sz="5400" b="1" dirty="0">
-                <a:latin typeface="Microsoft JhengHei" panose="020B0604030504040204" pitchFamily="34" charset="-120"/>
-                <a:ea typeface="Microsoft JhengHei" panose="020B0604030504040204" pitchFamily="34" charset="-120"/>
-              </a:rPr>
-              <a:t>榮耀聖靈來充滿我</a:t>
-            </a:r>
-            <a:endParaRPr lang="en-US" altLang="zh-CN" sz="5400" b="1" dirty="0">
+              <a:rPr lang="zh-CN" altLang="en-US" sz="4400" b="1" dirty="0">
+                <a:solidFill>
+                  <a:srgbClr val="660033"/>
+                </a:solidFill>
+                <a:latin typeface="Microsoft JhengHei" panose="020B0604030504040204" pitchFamily="34" charset="-120"/>
+                <a:ea typeface="Microsoft JhengHei" panose="020B0604030504040204" pitchFamily="34" charset="-120"/>
+              </a:rPr>
+              <a:t>充滿我充滿我</a:t>
+            </a:r>
+            <a:r>
+              <a:rPr lang="en-US" altLang="zh-CN" sz="4400" b="1" dirty="0">
+                <a:solidFill>
+                  <a:srgbClr val="660033"/>
+                </a:solidFill>
+                <a:latin typeface="Microsoft JhengHei" panose="020B0604030504040204" pitchFamily="34" charset="-120"/>
+                <a:ea typeface="Microsoft JhengHei" panose="020B0604030504040204" pitchFamily="34" charset="-120"/>
+              </a:rPr>
+              <a:t>  </a:t>
+            </a:r>
+            <a:r>
+              <a:rPr lang="zh-CN" altLang="en-US" sz="4400" b="1" dirty="0">
+                <a:solidFill>
+                  <a:srgbClr val="660033"/>
+                </a:solidFill>
+                <a:latin typeface="Microsoft JhengHei" panose="020B0604030504040204" pitchFamily="34" charset="-120"/>
+                <a:ea typeface="Microsoft JhengHei" panose="020B0604030504040204" pitchFamily="34" charset="-120"/>
+              </a:rPr>
+              <a:t>求耶穌來充滿我</a:t>
+            </a:r>
+            <a:endParaRPr lang="en-US" altLang="zh-CN" sz="4400" b="1" dirty="0">
+              <a:solidFill>
+                <a:srgbClr val="660033"/>
+              </a:solidFill>
               <a:latin typeface="Microsoft JhengHei" panose="020B0604030504040204" pitchFamily="34" charset="-120"/>
               <a:ea typeface="Microsoft JhengHei" panose="020B0604030504040204" pitchFamily="34" charset="-120"/>
             </a:endParaRPr>
@@ -3340,13 +3673,29 @@
               <a:buNone/>
             </a:pPr>
             <a:r>
-              <a:rPr lang="zh-CN" altLang="en-US" sz="5400" b="1" dirty="0">
-                <a:latin typeface="Microsoft JhengHei" panose="020B0604030504040204" pitchFamily="34" charset="-120"/>
-                <a:ea typeface="Microsoft JhengHei" panose="020B0604030504040204" pitchFamily="34" charset="-120"/>
-              </a:rPr>
-              <a:t>願主現在充滿我</a:t>
-            </a:r>
-            <a:endParaRPr lang="en-US" altLang="zh-CN" sz="5400" b="1" dirty="0">
+              <a:rPr lang="zh-CN" altLang="en-US" sz="4400" b="1" dirty="0">
+                <a:solidFill>
+                  <a:srgbClr val="660033"/>
+                </a:solidFill>
+                <a:latin typeface="Microsoft JhengHei" panose="020B0604030504040204" pitchFamily="34" charset="-120"/>
+                <a:ea typeface="Microsoft JhengHei" panose="020B0604030504040204" pitchFamily="34" charset="-120"/>
+              </a:rPr>
+              <a:t>榮耀聖靈來充滿我  願主現在充滿</a:t>
+            </a:r>
+            <a:r>
+              <a:rPr lang="zh-CN" altLang="en-US" sz="4400" b="1" dirty="0" smtClean="0">
+                <a:solidFill>
+                  <a:srgbClr val="660033"/>
+                </a:solidFill>
+                <a:latin typeface="Microsoft JhengHei" panose="020B0604030504040204" pitchFamily="34" charset="-120"/>
+                <a:ea typeface="Microsoft JhengHei" panose="020B0604030504040204" pitchFamily="34" charset="-120"/>
+              </a:rPr>
+              <a:t>我</a:t>
+            </a:r>
+            <a:endParaRPr lang="en-US" altLang="zh-CN" sz="4400" b="1" dirty="0">
+              <a:solidFill>
+                <a:srgbClr val="660033"/>
+              </a:solidFill>
               <a:latin typeface="Microsoft JhengHei" panose="020B0604030504040204" pitchFamily="34" charset="-120"/>
               <a:ea typeface="Microsoft JhengHei" panose="020B0604030504040204" pitchFamily="34" charset="-120"/>
             </a:endParaRPr>
@@ -3356,7 +3705,7 @@
     </p:spTree>
     <p:extLst>
       <p:ext uri="{BB962C8B-B14F-4D97-AF65-F5344CB8AC3E}">
-        <p14:creationId xmlns:p14="http://schemas.microsoft.com/office/powerpoint/2010/main" xmlns="" val="2710779322"/>
+        <p14:creationId xmlns:p14="http://schemas.microsoft.com/office/powerpoint/2010/main" val="2497773266"/>
       </p:ext>
     </p:extLst>
   </p:cSld>
@@ -3388,7 +3737,7 @@
           <p:cNvPr id="2" name="Title 1">
             <a:extLst>
               <a:ext uri="{FF2B5EF4-FFF2-40B4-BE49-F238E27FC236}">
-                <a16:creationId xmlns:a16="http://schemas.microsoft.com/office/drawing/2014/main" xmlns="" id="{087CBC1E-F37A-4D1B-B473-0BF3635162D9}"/>
+                <a16:creationId xmlns="" xmlns:a16="http://schemas.microsoft.com/office/drawing/2014/main" id="{087CBC1E-F37A-4D1B-B473-0BF3635162D9}"/>
               </a:ext>
             </a:extLst>
           </p:cNvPr>
@@ -3401,18 +3750,25 @@
         </p:nvSpPr>
         <p:spPr/>
         <p:txBody>
-          <a:bodyPr/>
-          <a:lstStyle/>
-          <a:p>
-            <a:pPr algn="ctr"/>
-            <a:r>
-              <a:rPr lang="zh-CN" altLang="en-US" b="1" dirty="0">
+          <a:bodyPr>
+            <a:normAutofit/>
+          </a:bodyPr>
+          <a:lstStyle/>
+          <a:p>
+            <a:r>
+              <a:rPr lang="zh-CN" altLang="en-US" sz="4000" b="1" dirty="0">
+                <a:solidFill>
+                  <a:srgbClr val="660033"/>
+                </a:solidFill>
                 <a:latin typeface="Microsoft JhengHei" panose="020B0604030504040204" pitchFamily="34" charset="-120"/>
                 <a:ea typeface="Microsoft JhengHei" panose="020B0604030504040204" pitchFamily="34" charset="-120"/>
               </a:rPr>
               <a:t>充滿我</a:t>
             </a:r>
-            <a:endParaRPr lang="en-US" b="1" dirty="0">
+            <a:endParaRPr lang="en-US" sz="4000" b="1" dirty="0">
+              <a:solidFill>
+                <a:srgbClr val="660033"/>
+              </a:solidFill>
               <a:latin typeface="Microsoft JhengHei" panose="020B0604030504040204" pitchFamily="34" charset="-120"/>
               <a:ea typeface="Microsoft JhengHei" panose="020B0604030504040204" pitchFamily="34" charset="-120"/>
             </a:endParaRPr>
@@ -3424,7 +3780,7 @@
           <p:cNvPr id="3" name="Content Placeholder 2">
             <a:extLst>
               <a:ext uri="{FF2B5EF4-FFF2-40B4-BE49-F238E27FC236}">
-                <a16:creationId xmlns:a16="http://schemas.microsoft.com/office/drawing/2014/main" xmlns="" id="{5D99624C-92D2-4704-98F5-EA3D1B79589B}"/>
+                <a16:creationId xmlns="" xmlns:a16="http://schemas.microsoft.com/office/drawing/2014/main" id="{5D99624C-92D2-4704-98F5-EA3D1B79589B}"/>
               </a:ext>
             </a:extLst>
           </p:cNvPr>
@@ -3435,7 +3791,12 @@
             <p:ph idx="1"/>
           </p:nvPr>
         </p:nvSpPr>
-        <p:spPr/>
+        <p:spPr>
+          <a:xfrm>
+            <a:off x="0" y="1200151"/>
+            <a:ext cx="9144000" cy="3394472"/>
+          </a:xfrm>
+        </p:spPr>
         <p:txBody>
           <a:bodyPr>
             <a:normAutofit/>
@@ -3446,13 +3807,69 @@
               <a:buNone/>
             </a:pPr>
             <a:r>
-              <a:rPr lang="zh-CN" altLang="en-US" sz="5400" b="1" dirty="0">
-                <a:latin typeface="Microsoft JhengHei" panose="020B0604030504040204" pitchFamily="34" charset="-120"/>
-                <a:ea typeface="Microsoft JhengHei" panose="020B0604030504040204" pitchFamily="34" charset="-120"/>
-              </a:rPr>
-              <a:t>懇求聖靈來釋放我</a:t>
-            </a:r>
-            <a:endParaRPr lang="en-US" altLang="zh-CN" sz="5400" b="1" dirty="0">
+              <a:rPr lang="zh-CN" altLang="en-US" sz="4400" b="1" dirty="0">
+                <a:solidFill>
+                  <a:srgbClr val="660033"/>
+                </a:solidFill>
+                <a:latin typeface="Microsoft JhengHei" panose="020B0604030504040204" pitchFamily="34" charset="-120"/>
+                <a:ea typeface="Microsoft JhengHei" panose="020B0604030504040204" pitchFamily="34" charset="-120"/>
+              </a:rPr>
+              <a:t>有如渴鹿愛慕溪</a:t>
+            </a:r>
+            <a:r>
+              <a:rPr lang="zh-CN" altLang="en-US" sz="4400" b="1" dirty="0" smtClean="0">
+                <a:solidFill>
+                  <a:srgbClr val="660033"/>
+                </a:solidFill>
+                <a:latin typeface="Microsoft JhengHei" panose="020B0604030504040204" pitchFamily="34" charset="-120"/>
+                <a:ea typeface="Microsoft JhengHei" panose="020B0604030504040204" pitchFamily="34" charset="-120"/>
+              </a:rPr>
+              <a:t>水</a:t>
+            </a:r>
+            <a:r>
+              <a:rPr lang="en-US" altLang="zh-CN" sz="4400" b="1" dirty="0">
+                <a:solidFill>
+                  <a:srgbClr val="660033"/>
+                </a:solidFill>
+                <a:latin typeface="Microsoft JhengHei" panose="020B0604030504040204" pitchFamily="34" charset="-120"/>
+                <a:ea typeface="Microsoft JhengHei" panose="020B0604030504040204" pitchFamily="34" charset="-120"/>
+              </a:rPr>
+              <a:t> </a:t>
+            </a:r>
+            <a:r>
+              <a:rPr lang="en-US" altLang="zh-CN" sz="4400" b="1" dirty="0" smtClean="0">
+                <a:solidFill>
+                  <a:srgbClr val="660033"/>
+                </a:solidFill>
+                <a:latin typeface="Microsoft JhengHei" panose="020B0604030504040204" pitchFamily="34" charset="-120"/>
+                <a:ea typeface="Microsoft JhengHei" panose="020B0604030504040204" pitchFamily="34" charset="-120"/>
+              </a:rPr>
+              <a:t> </a:t>
+            </a:r>
+            <a:r>
+              <a:rPr lang="zh-CN" altLang="en-US" sz="4400" b="1" dirty="0" smtClean="0">
+                <a:solidFill>
+                  <a:srgbClr val="660033"/>
+                </a:solidFill>
+                <a:latin typeface="Microsoft JhengHei" panose="020B0604030504040204" pitchFamily="34" charset="-120"/>
+                <a:ea typeface="Microsoft JhengHei" panose="020B0604030504040204" pitchFamily="34" charset="-120"/>
+              </a:rPr>
+              <a:t>我</a:t>
+            </a:r>
+            <a:r>
+              <a:rPr lang="zh-CN" altLang="en-US" sz="4400" b="1" dirty="0">
+                <a:solidFill>
+                  <a:srgbClr val="660033"/>
+                </a:solidFill>
+                <a:latin typeface="Microsoft JhengHei" panose="020B0604030504040204" pitchFamily="34" charset="-120"/>
+                <a:ea typeface="Microsoft JhengHei" panose="020B0604030504040204" pitchFamily="34" charset="-120"/>
+              </a:rPr>
+              <a:t>心渴慕主恩惠</a:t>
+            </a:r>
+            <a:endParaRPr lang="en-US" altLang="zh-CN" sz="4400" b="1" dirty="0">
+              <a:solidFill>
+                <a:srgbClr val="660033"/>
+              </a:solidFill>
               <a:latin typeface="Microsoft JhengHei" panose="020B0604030504040204" pitchFamily="34" charset="-120"/>
               <a:ea typeface="Microsoft JhengHei" panose="020B0604030504040204" pitchFamily="34" charset="-120"/>
             </a:endParaRPr>
@@ -3462,13 +3879,79 @@
               <a:buNone/>
             </a:pPr>
             <a:r>
-              <a:rPr lang="zh-CN" altLang="en-US" sz="5400" b="1" dirty="0">
-                <a:latin typeface="Microsoft JhengHei" panose="020B0604030504040204" pitchFamily="34" charset="-120"/>
-                <a:ea typeface="Microsoft JhengHei" panose="020B0604030504040204" pitchFamily="34" charset="-120"/>
-              </a:rPr>
-              <a:t>罪與死律致盡脫</a:t>
-            </a:r>
-            <a:endParaRPr lang="en-US" altLang="zh-CN" sz="5400" b="1" dirty="0">
+              <a:rPr lang="zh-CN" altLang="en-US" sz="4400" b="1" dirty="0">
+                <a:solidFill>
+                  <a:srgbClr val="660033"/>
+                </a:solidFill>
+                <a:latin typeface="Microsoft JhengHei" panose="020B0604030504040204" pitchFamily="34" charset="-120"/>
+                <a:ea typeface="Microsoft JhengHei" panose="020B0604030504040204" pitchFamily="34" charset="-120"/>
+              </a:rPr>
+              <a:t>活水江河願主湧</a:t>
+            </a:r>
+            <a:r>
+              <a:rPr lang="zh-CN" altLang="en-US" sz="4400" b="1" dirty="0" smtClean="0">
+                <a:solidFill>
+                  <a:srgbClr val="660033"/>
+                </a:solidFill>
+                <a:latin typeface="Microsoft JhengHei" panose="020B0604030504040204" pitchFamily="34" charset="-120"/>
+                <a:ea typeface="Microsoft JhengHei" panose="020B0604030504040204" pitchFamily="34" charset="-120"/>
+              </a:rPr>
+              <a:t>起</a:t>
+            </a:r>
+            <a:r>
+              <a:rPr lang="en-US" altLang="zh-CN" sz="4400" b="1" dirty="0">
+                <a:solidFill>
+                  <a:srgbClr val="660033"/>
+                </a:solidFill>
+                <a:latin typeface="Microsoft JhengHei" panose="020B0604030504040204" pitchFamily="34" charset="-120"/>
+                <a:ea typeface="Microsoft JhengHei" panose="020B0604030504040204" pitchFamily="34" charset="-120"/>
+              </a:rPr>
+              <a:t> </a:t>
+            </a:r>
+            <a:r>
+              <a:rPr lang="en-US" altLang="zh-CN" sz="4400" b="1" dirty="0" smtClean="0">
+                <a:solidFill>
+                  <a:srgbClr val="660033"/>
+                </a:solidFill>
+                <a:latin typeface="Microsoft JhengHei" panose="020B0604030504040204" pitchFamily="34" charset="-120"/>
+                <a:ea typeface="Microsoft JhengHei" panose="020B0604030504040204" pitchFamily="34" charset="-120"/>
+              </a:rPr>
+              <a:t> </a:t>
+            </a:r>
+            <a:r>
+              <a:rPr lang="zh-CN" altLang="en-US" sz="4400" b="1" dirty="0" smtClean="0">
+                <a:solidFill>
+                  <a:srgbClr val="660033"/>
+                </a:solidFill>
+                <a:latin typeface="Microsoft JhengHei" panose="020B0604030504040204" pitchFamily="34" charset="-120"/>
+                <a:ea typeface="Microsoft JhengHei" panose="020B0604030504040204" pitchFamily="34" charset="-120"/>
+              </a:rPr>
+              <a:t>在</a:t>
+            </a:r>
+            <a:r>
+              <a:rPr lang="zh-CN" altLang="en-US" sz="4400" b="1" dirty="0">
+                <a:solidFill>
+                  <a:srgbClr val="660033"/>
+                </a:solidFill>
+                <a:latin typeface="Microsoft JhengHei" panose="020B0604030504040204" pitchFamily="34" charset="-120"/>
+                <a:ea typeface="Microsoft JhengHei" panose="020B0604030504040204" pitchFamily="34" charset="-120"/>
+              </a:rPr>
+              <a:t>我心中流不</a:t>
+            </a:r>
+            <a:r>
+              <a:rPr lang="zh-CN" altLang="en-US" sz="4400" b="1" dirty="0" smtClean="0">
+                <a:solidFill>
+                  <a:srgbClr val="660033"/>
+                </a:solidFill>
+                <a:latin typeface="Microsoft JhengHei" panose="020B0604030504040204" pitchFamily="34" charset="-120"/>
+                <a:ea typeface="Microsoft JhengHei" panose="020B0604030504040204" pitchFamily="34" charset="-120"/>
+              </a:rPr>
+              <a:t>息</a:t>
+            </a:r>
+            <a:endParaRPr lang="en-US" altLang="zh-CN" sz="4400" b="1" dirty="0" smtClean="0">
+              <a:solidFill>
+                <a:srgbClr val="660033"/>
+              </a:solidFill>
               <a:latin typeface="Microsoft JhengHei" panose="020B0604030504040204" pitchFamily="34" charset="-120"/>
               <a:ea typeface="Microsoft JhengHei" panose="020B0604030504040204" pitchFamily="34" charset="-120"/>
             </a:endParaRPr>
@@ -3478,13 +3961,39 @@
               <a:buNone/>
             </a:pPr>
             <a:r>
-              <a:rPr lang="zh-CN" altLang="en-US" sz="5400" b="1" dirty="0">
-                <a:latin typeface="Microsoft JhengHei" panose="020B0604030504040204" pitchFamily="34" charset="-120"/>
-                <a:ea typeface="Microsoft JhengHei" panose="020B0604030504040204" pitchFamily="34" charset="-120"/>
-              </a:rPr>
-              <a:t>除去污穢使我成聖</a:t>
-            </a:r>
-            <a:endParaRPr lang="en-US" altLang="zh-CN" sz="5400" b="1" dirty="0">
+              <a:rPr lang="zh-CN" altLang="en-US" sz="4400" b="1" dirty="0">
+                <a:solidFill>
+                  <a:srgbClr val="660033"/>
+                </a:solidFill>
+                <a:latin typeface="Microsoft JhengHei" panose="020B0604030504040204" pitchFamily="34" charset="-120"/>
+                <a:ea typeface="Microsoft JhengHei" panose="020B0604030504040204" pitchFamily="34" charset="-120"/>
+              </a:rPr>
+              <a:t>充滿我充滿我</a:t>
+            </a:r>
+            <a:r>
+              <a:rPr lang="en-US" altLang="zh-CN" sz="4400" b="1" dirty="0">
+                <a:solidFill>
+                  <a:srgbClr val="660033"/>
+                </a:solidFill>
+                <a:latin typeface="Microsoft JhengHei" panose="020B0604030504040204" pitchFamily="34" charset="-120"/>
+                <a:ea typeface="Microsoft JhengHei" panose="020B0604030504040204" pitchFamily="34" charset="-120"/>
+              </a:rPr>
+              <a:t>  </a:t>
+            </a:r>
+            <a:r>
+              <a:rPr lang="zh-CN" altLang="en-US" sz="4400" b="1" dirty="0">
+                <a:solidFill>
+                  <a:srgbClr val="660033"/>
+                </a:solidFill>
+                <a:latin typeface="Microsoft JhengHei" panose="020B0604030504040204" pitchFamily="34" charset="-120"/>
+                <a:ea typeface="Microsoft JhengHei" panose="020B0604030504040204" pitchFamily="34" charset="-120"/>
+              </a:rPr>
+              <a:t>求耶穌來充滿我</a:t>
+            </a:r>
+            <a:endParaRPr lang="en-US" altLang="zh-CN" sz="4400" b="1" dirty="0">
+              <a:solidFill>
+                <a:srgbClr val="660033"/>
+              </a:solidFill>
               <a:latin typeface="Microsoft JhengHei" panose="020B0604030504040204" pitchFamily="34" charset="-120"/>
               <a:ea typeface="Microsoft JhengHei" panose="020B0604030504040204" pitchFamily="34" charset="-120"/>
             </a:endParaRPr>
@@ -3494,13 +4003,19 @@
               <a:buNone/>
             </a:pPr>
             <a:r>
-              <a:rPr lang="zh-CN" altLang="en-US" sz="5400" b="1" dirty="0">
-                <a:latin typeface="Microsoft JhengHei" panose="020B0604030504040204" pitchFamily="34" charset="-120"/>
-                <a:ea typeface="Microsoft JhengHei" panose="020B0604030504040204" pitchFamily="34" charset="-120"/>
-              </a:rPr>
-              <a:t>平安喜樂常得勝</a:t>
-            </a:r>
-            <a:endParaRPr lang="en-US" altLang="zh-CN" sz="5400" b="1" dirty="0">
+              <a:rPr lang="zh-CN" altLang="en-US" sz="4400" b="1" dirty="0">
+                <a:solidFill>
+                  <a:srgbClr val="660033"/>
+                </a:solidFill>
+                <a:latin typeface="Microsoft JhengHei" panose="020B0604030504040204" pitchFamily="34" charset="-120"/>
+                <a:ea typeface="Microsoft JhengHei" panose="020B0604030504040204" pitchFamily="34" charset="-120"/>
+              </a:rPr>
+              <a:t>榮耀聖靈來充滿我  願主現在充滿我</a:t>
+            </a:r>
+            <a:endParaRPr lang="en-US" altLang="zh-CN" sz="4400" b="1" dirty="0">
+              <a:solidFill>
+                <a:srgbClr val="660033"/>
+              </a:solidFill>
               <a:latin typeface="Microsoft JhengHei" panose="020B0604030504040204" pitchFamily="34" charset="-120"/>
               <a:ea typeface="Microsoft JhengHei" panose="020B0604030504040204" pitchFamily="34" charset="-120"/>
             </a:endParaRPr>
@@ -3510,7 +4025,7 @@
     </p:spTree>
     <p:extLst>
       <p:ext uri="{BB962C8B-B14F-4D97-AF65-F5344CB8AC3E}">
-        <p14:creationId xmlns:p14="http://schemas.microsoft.com/office/powerpoint/2010/main" xmlns="" val="453701108"/>
+        <p14:creationId xmlns:p14="http://schemas.microsoft.com/office/powerpoint/2010/main" val="637045290"/>
       </p:ext>
     </p:extLst>
   </p:cSld>
@@ -3542,7 +4057,7 @@
           <p:cNvPr id="2" name="Title 1">
             <a:extLst>
               <a:ext uri="{FF2B5EF4-FFF2-40B4-BE49-F238E27FC236}">
-                <a16:creationId xmlns:a16="http://schemas.microsoft.com/office/drawing/2014/main" xmlns="" id="{087CBC1E-F37A-4D1B-B473-0BF3635162D9}"/>
+                <a16:creationId xmlns="" xmlns:a16="http://schemas.microsoft.com/office/drawing/2014/main" id="{087CBC1E-F37A-4D1B-B473-0BF3635162D9}"/>
               </a:ext>
             </a:extLst>
           </p:cNvPr>
@@ -3555,18 +4070,25 @@
         </p:nvSpPr>
         <p:spPr/>
         <p:txBody>
-          <a:bodyPr/>
-          <a:lstStyle/>
-          <a:p>
-            <a:pPr algn="ctr"/>
-            <a:r>
-              <a:rPr lang="zh-CN" altLang="en-US" b="1" dirty="0">
+          <a:bodyPr>
+            <a:normAutofit/>
+          </a:bodyPr>
+          <a:lstStyle/>
+          <a:p>
+            <a:r>
+              <a:rPr lang="zh-CN" altLang="en-US" sz="4000" b="1" dirty="0">
+                <a:solidFill>
+                  <a:srgbClr val="660033"/>
+                </a:solidFill>
                 <a:latin typeface="Microsoft JhengHei" panose="020B0604030504040204" pitchFamily="34" charset="-120"/>
                 <a:ea typeface="Microsoft JhengHei" panose="020B0604030504040204" pitchFamily="34" charset="-120"/>
               </a:rPr>
               <a:t>充滿我</a:t>
             </a:r>
-            <a:endParaRPr lang="en-US" b="1" dirty="0">
+            <a:endParaRPr lang="en-US" sz="4000" b="1" dirty="0">
+              <a:solidFill>
+                <a:srgbClr val="660033"/>
+              </a:solidFill>
               <a:latin typeface="Microsoft JhengHei" panose="020B0604030504040204" pitchFamily="34" charset="-120"/>
               <a:ea typeface="Microsoft JhengHei" panose="020B0604030504040204" pitchFamily="34" charset="-120"/>
             </a:endParaRPr>
@@ -3578,7 +4100,7 @@
           <p:cNvPr id="3" name="Content Placeholder 2">
             <a:extLst>
               <a:ext uri="{FF2B5EF4-FFF2-40B4-BE49-F238E27FC236}">
-                <a16:creationId xmlns:a16="http://schemas.microsoft.com/office/drawing/2014/main" xmlns="" id="{5D99624C-92D2-4704-98F5-EA3D1B79589B}"/>
+                <a16:creationId xmlns="" xmlns:a16="http://schemas.microsoft.com/office/drawing/2014/main" id="{5D99624C-92D2-4704-98F5-EA3D1B79589B}"/>
               </a:ext>
             </a:extLst>
           </p:cNvPr>
@@ -3589,7 +4111,12 @@
             <p:ph idx="1"/>
           </p:nvPr>
         </p:nvSpPr>
-        <p:spPr/>
+        <p:spPr>
+          <a:xfrm>
+            <a:off x="0" y="1200151"/>
+            <a:ext cx="9144000" cy="3394472"/>
+          </a:xfrm>
+        </p:spPr>
         <p:txBody>
           <a:bodyPr>
             <a:normAutofit/>
@@ -3600,13 +4127,69 @@
               <a:buNone/>
             </a:pPr>
             <a:r>
-              <a:rPr lang="zh-CN" altLang="en-US" sz="5400" b="1" dirty="0">
-                <a:latin typeface="Microsoft JhengHei" panose="020B0604030504040204" pitchFamily="34" charset="-120"/>
-                <a:ea typeface="Microsoft JhengHei" panose="020B0604030504040204" pitchFamily="34" charset="-120"/>
-              </a:rPr>
-              <a:t>充滿我充滿我</a:t>
-            </a:r>
-            <a:endParaRPr lang="en-US" altLang="zh-CN" sz="5400" b="1" dirty="0">
+              <a:rPr lang="zh-CN" altLang="en-US" sz="4400" b="1" dirty="0">
+                <a:solidFill>
+                  <a:srgbClr val="660033"/>
+                </a:solidFill>
+                <a:latin typeface="Microsoft JhengHei" panose="020B0604030504040204" pitchFamily="34" charset="-120"/>
+                <a:ea typeface="Microsoft JhengHei" panose="020B0604030504040204" pitchFamily="34" charset="-120"/>
+              </a:rPr>
+              <a:t>不是倚靠勢力才</a:t>
+            </a:r>
+            <a:r>
+              <a:rPr lang="zh-CN" altLang="en-US" sz="4400" b="1" dirty="0" smtClean="0">
+                <a:solidFill>
+                  <a:srgbClr val="660033"/>
+                </a:solidFill>
+                <a:latin typeface="Microsoft JhengHei" panose="020B0604030504040204" pitchFamily="34" charset="-120"/>
+                <a:ea typeface="Microsoft JhengHei" panose="020B0604030504040204" pitchFamily="34" charset="-120"/>
+              </a:rPr>
+              <a:t>能</a:t>
+            </a:r>
+            <a:r>
+              <a:rPr lang="en-US" altLang="zh-CN" sz="4400" b="1" dirty="0">
+                <a:solidFill>
+                  <a:srgbClr val="660033"/>
+                </a:solidFill>
+                <a:latin typeface="Microsoft JhengHei" panose="020B0604030504040204" pitchFamily="34" charset="-120"/>
+                <a:ea typeface="Microsoft JhengHei" panose="020B0604030504040204" pitchFamily="34" charset="-120"/>
+              </a:rPr>
+              <a:t> </a:t>
+            </a:r>
+            <a:r>
+              <a:rPr lang="en-US" altLang="zh-CN" sz="4400" b="1" dirty="0" smtClean="0">
+                <a:solidFill>
+                  <a:srgbClr val="660033"/>
+                </a:solidFill>
+                <a:latin typeface="Microsoft JhengHei" panose="020B0604030504040204" pitchFamily="34" charset="-120"/>
+                <a:ea typeface="Microsoft JhengHei" panose="020B0604030504040204" pitchFamily="34" charset="-120"/>
+              </a:rPr>
+              <a:t> </a:t>
+            </a:r>
+            <a:r>
+              <a:rPr lang="zh-CN" altLang="en-US" sz="4400" b="1" dirty="0" smtClean="0">
+                <a:solidFill>
+                  <a:srgbClr val="660033"/>
+                </a:solidFill>
+                <a:latin typeface="Microsoft JhengHei" panose="020B0604030504040204" pitchFamily="34" charset="-120"/>
+                <a:ea typeface="Microsoft JhengHei" panose="020B0604030504040204" pitchFamily="34" charset="-120"/>
+              </a:rPr>
+              <a:t>惟</a:t>
+            </a:r>
+            <a:r>
+              <a:rPr lang="zh-CN" altLang="en-US" sz="4400" b="1" dirty="0">
+                <a:solidFill>
+                  <a:srgbClr val="660033"/>
+                </a:solidFill>
+                <a:latin typeface="Microsoft JhengHei" panose="020B0604030504040204" pitchFamily="34" charset="-120"/>
+                <a:ea typeface="Microsoft JhengHei" panose="020B0604030504040204" pitchFamily="34" charset="-120"/>
+              </a:rPr>
+              <a:t>獨仰賴主聖靈</a:t>
+            </a:r>
+            <a:endParaRPr lang="en-US" altLang="zh-CN" sz="4400" b="1" dirty="0">
+              <a:solidFill>
+                <a:srgbClr val="660033"/>
+              </a:solidFill>
               <a:latin typeface="Microsoft JhengHei" panose="020B0604030504040204" pitchFamily="34" charset="-120"/>
               <a:ea typeface="Microsoft JhengHei" panose="020B0604030504040204" pitchFamily="34" charset="-120"/>
             </a:endParaRPr>
@@ -3616,13 +4199,79 @@
               <a:buNone/>
             </a:pPr>
             <a:r>
-              <a:rPr lang="zh-CN" altLang="en-US" sz="5400" b="1" dirty="0">
-                <a:latin typeface="Microsoft JhengHei" panose="020B0604030504040204" pitchFamily="34" charset="-120"/>
-                <a:ea typeface="Microsoft JhengHei" panose="020B0604030504040204" pitchFamily="34" charset="-120"/>
-              </a:rPr>
-              <a:t>求耶穌來充滿我</a:t>
-            </a:r>
-            <a:endParaRPr lang="en-US" altLang="zh-CN" sz="5400" b="1" dirty="0">
+              <a:rPr lang="zh-CN" altLang="en-US" sz="4400" b="1" dirty="0">
+                <a:solidFill>
+                  <a:srgbClr val="660033"/>
+                </a:solidFill>
+                <a:latin typeface="Microsoft JhengHei" panose="020B0604030504040204" pitchFamily="34" charset="-120"/>
+                <a:ea typeface="Microsoft JhengHei" panose="020B0604030504040204" pitchFamily="34" charset="-120"/>
+              </a:rPr>
+              <a:t>主能慰我主能救</a:t>
+            </a:r>
+            <a:r>
+              <a:rPr lang="zh-CN" altLang="en-US" sz="4400" b="1" dirty="0" smtClean="0">
+                <a:solidFill>
+                  <a:srgbClr val="660033"/>
+                </a:solidFill>
+                <a:latin typeface="Microsoft JhengHei" panose="020B0604030504040204" pitchFamily="34" charset="-120"/>
+                <a:ea typeface="Microsoft JhengHei" panose="020B0604030504040204" pitchFamily="34" charset="-120"/>
+              </a:rPr>
+              <a:t>我</a:t>
+            </a:r>
+            <a:r>
+              <a:rPr lang="en-US" altLang="zh-CN" sz="4400" b="1" dirty="0">
+                <a:solidFill>
+                  <a:srgbClr val="660033"/>
+                </a:solidFill>
+                <a:latin typeface="Microsoft JhengHei" panose="020B0604030504040204" pitchFamily="34" charset="-120"/>
+                <a:ea typeface="Microsoft JhengHei" panose="020B0604030504040204" pitchFamily="34" charset="-120"/>
+              </a:rPr>
+              <a:t> </a:t>
+            </a:r>
+            <a:r>
+              <a:rPr lang="en-US" altLang="zh-CN" sz="4400" b="1" dirty="0" smtClean="0">
+                <a:solidFill>
+                  <a:srgbClr val="660033"/>
+                </a:solidFill>
+                <a:latin typeface="Microsoft JhengHei" panose="020B0604030504040204" pitchFamily="34" charset="-120"/>
+                <a:ea typeface="Microsoft JhengHei" panose="020B0604030504040204" pitchFamily="34" charset="-120"/>
+              </a:rPr>
+              <a:t> </a:t>
+            </a:r>
+            <a:r>
+              <a:rPr lang="zh-CN" altLang="en-US" sz="4400" b="1" dirty="0" smtClean="0">
+                <a:solidFill>
+                  <a:srgbClr val="660033"/>
+                </a:solidFill>
+                <a:latin typeface="Microsoft JhengHei" panose="020B0604030504040204" pitchFamily="34" charset="-120"/>
+                <a:ea typeface="Microsoft JhengHei" panose="020B0604030504040204" pitchFamily="34" charset="-120"/>
+              </a:rPr>
+              <a:t>願</a:t>
+            </a:r>
+            <a:r>
+              <a:rPr lang="zh-CN" altLang="en-US" sz="4400" b="1" dirty="0">
+                <a:solidFill>
+                  <a:srgbClr val="660033"/>
+                </a:solidFill>
+                <a:latin typeface="Microsoft JhengHei" panose="020B0604030504040204" pitchFamily="34" charset="-120"/>
+                <a:ea typeface="Microsoft JhengHei" panose="020B0604030504040204" pitchFamily="34" charset="-120"/>
+              </a:rPr>
+              <a:t>主現在充滿</a:t>
+            </a:r>
+            <a:r>
+              <a:rPr lang="zh-CN" altLang="en-US" sz="4400" b="1" dirty="0" smtClean="0">
+                <a:solidFill>
+                  <a:srgbClr val="660033"/>
+                </a:solidFill>
+                <a:latin typeface="Microsoft JhengHei" panose="020B0604030504040204" pitchFamily="34" charset="-120"/>
+                <a:ea typeface="Microsoft JhengHei" panose="020B0604030504040204" pitchFamily="34" charset="-120"/>
+              </a:rPr>
+              <a:t>我</a:t>
+            </a:r>
+            <a:endParaRPr lang="en-US" altLang="zh-CN" sz="4400" b="1" dirty="0" smtClean="0">
+              <a:solidFill>
+                <a:srgbClr val="660033"/>
+              </a:solidFill>
               <a:latin typeface="Microsoft JhengHei" panose="020B0604030504040204" pitchFamily="34" charset="-120"/>
               <a:ea typeface="Microsoft JhengHei" panose="020B0604030504040204" pitchFamily="34" charset="-120"/>
             </a:endParaRPr>
@@ -3632,13 +4281,39 @@
               <a:buNone/>
             </a:pPr>
             <a:r>
-              <a:rPr lang="zh-CN" altLang="en-US" sz="5400" b="1" dirty="0">
-                <a:latin typeface="Microsoft JhengHei" panose="020B0604030504040204" pitchFamily="34" charset="-120"/>
-                <a:ea typeface="Microsoft JhengHei" panose="020B0604030504040204" pitchFamily="34" charset="-120"/>
-              </a:rPr>
-              <a:t>榮耀聖靈來充滿我</a:t>
-            </a:r>
-            <a:endParaRPr lang="en-US" altLang="zh-CN" sz="5400" b="1" dirty="0">
+              <a:rPr lang="zh-CN" altLang="en-US" sz="4400" b="1" dirty="0">
+                <a:solidFill>
+                  <a:srgbClr val="660033"/>
+                </a:solidFill>
+                <a:latin typeface="Microsoft JhengHei" panose="020B0604030504040204" pitchFamily="34" charset="-120"/>
+                <a:ea typeface="Microsoft JhengHei" panose="020B0604030504040204" pitchFamily="34" charset="-120"/>
+              </a:rPr>
+              <a:t>充滿我充滿我</a:t>
+            </a:r>
+            <a:r>
+              <a:rPr lang="en-US" altLang="zh-CN" sz="4400" b="1" dirty="0">
+                <a:solidFill>
+                  <a:srgbClr val="660033"/>
+                </a:solidFill>
+                <a:latin typeface="Microsoft JhengHei" panose="020B0604030504040204" pitchFamily="34" charset="-120"/>
+                <a:ea typeface="Microsoft JhengHei" panose="020B0604030504040204" pitchFamily="34" charset="-120"/>
+              </a:rPr>
+              <a:t>  </a:t>
+            </a:r>
+            <a:r>
+              <a:rPr lang="zh-CN" altLang="en-US" sz="4400" b="1" dirty="0">
+                <a:solidFill>
+                  <a:srgbClr val="660033"/>
+                </a:solidFill>
+                <a:latin typeface="Microsoft JhengHei" panose="020B0604030504040204" pitchFamily="34" charset="-120"/>
+                <a:ea typeface="Microsoft JhengHei" panose="020B0604030504040204" pitchFamily="34" charset="-120"/>
+              </a:rPr>
+              <a:t>求耶穌來充滿我</a:t>
+            </a:r>
+            <a:endParaRPr lang="en-US" altLang="zh-CN" sz="4400" b="1" dirty="0">
+              <a:solidFill>
+                <a:srgbClr val="660033"/>
+              </a:solidFill>
               <a:latin typeface="Microsoft JhengHei" panose="020B0604030504040204" pitchFamily="34" charset="-120"/>
               <a:ea typeface="Microsoft JhengHei" panose="020B0604030504040204" pitchFamily="34" charset="-120"/>
             </a:endParaRPr>
@@ -3648,13 +4323,29 @@
               <a:buNone/>
             </a:pPr>
             <a:r>
-              <a:rPr lang="zh-CN" altLang="en-US" sz="5400" b="1" dirty="0">
-                <a:latin typeface="Microsoft JhengHei" panose="020B0604030504040204" pitchFamily="34" charset="-120"/>
-                <a:ea typeface="Microsoft JhengHei" panose="020B0604030504040204" pitchFamily="34" charset="-120"/>
-              </a:rPr>
-              <a:t>願主現在充滿我</a:t>
-            </a:r>
-            <a:endParaRPr lang="en-US" altLang="zh-CN" sz="5400" b="1" dirty="0">
+              <a:rPr lang="zh-CN" altLang="en-US" sz="4400" b="1" dirty="0">
+                <a:solidFill>
+                  <a:srgbClr val="660033"/>
+                </a:solidFill>
+                <a:latin typeface="Microsoft JhengHei" panose="020B0604030504040204" pitchFamily="34" charset="-120"/>
+                <a:ea typeface="Microsoft JhengHei" panose="020B0604030504040204" pitchFamily="34" charset="-120"/>
+              </a:rPr>
+              <a:t>榮耀聖靈來充滿我  願主現在充滿</a:t>
+            </a:r>
+            <a:r>
+              <a:rPr lang="zh-CN" altLang="en-US" sz="4400" b="1" dirty="0" smtClean="0">
+                <a:solidFill>
+                  <a:srgbClr val="660033"/>
+                </a:solidFill>
+                <a:latin typeface="Microsoft JhengHei" panose="020B0604030504040204" pitchFamily="34" charset="-120"/>
+                <a:ea typeface="Microsoft JhengHei" panose="020B0604030504040204" pitchFamily="34" charset="-120"/>
+              </a:rPr>
+              <a:t>我</a:t>
+            </a:r>
+            <a:endParaRPr lang="en-US" altLang="zh-CN" sz="4400" b="1" dirty="0">
+              <a:solidFill>
+                <a:srgbClr val="660033"/>
+              </a:solidFill>
               <a:latin typeface="Microsoft JhengHei" panose="020B0604030504040204" pitchFamily="34" charset="-120"/>
               <a:ea typeface="Microsoft JhengHei" panose="020B0604030504040204" pitchFamily="34" charset="-120"/>
             </a:endParaRPr>
@@ -3664,623 +4355,7 @@
     </p:spTree>
     <p:extLst>
       <p:ext uri="{BB962C8B-B14F-4D97-AF65-F5344CB8AC3E}">
-        <p14:creationId xmlns:p14="http://schemas.microsoft.com/office/powerpoint/2010/main" xmlns="" val="4060845015"/>
-      </p:ext>
-    </p:extLst>
-  </p:cSld>
-  <p:clrMapOvr>
-    <a:masterClrMapping/>
-  </p:clrMapOvr>
-</p:sld>
-</file>
-
-<file path=ppt/slides/slide5.xml><?xml version="1.0" encoding="utf-8"?>
-<p:sld xmlns:a="http://schemas.openxmlformats.org/drawingml/2006/main" xmlns:r="http://schemas.openxmlformats.org/officeDocument/2006/relationships" xmlns:p="http://schemas.openxmlformats.org/presentationml/2006/main">
-  <p:cSld>
-    <p:spTree>
-      <p:nvGrpSpPr>
-        <p:cNvPr id="1" name=""/>
-        <p:cNvGrpSpPr/>
-        <p:nvPr/>
-      </p:nvGrpSpPr>
-      <p:grpSpPr>
-        <a:xfrm>
-          <a:off x="0" y="0"/>
-          <a:ext cx="0" cy="0"/>
-          <a:chOff x="0" y="0"/>
-          <a:chExt cx="0" cy="0"/>
-        </a:xfrm>
-      </p:grpSpPr>
-      <p:sp>
-        <p:nvSpPr>
-          <p:cNvPr id="2" name="Title 1">
-            <a:extLst>
-              <a:ext uri="{FF2B5EF4-FFF2-40B4-BE49-F238E27FC236}">
-                <a16:creationId xmlns:a16="http://schemas.microsoft.com/office/drawing/2014/main" xmlns="" id="{087CBC1E-F37A-4D1B-B473-0BF3635162D9}"/>
-              </a:ext>
-            </a:extLst>
-          </p:cNvPr>
-          <p:cNvSpPr>
-            <a:spLocks noGrp="1"/>
-          </p:cNvSpPr>
-          <p:nvPr>
-            <p:ph type="title"/>
-          </p:nvPr>
-        </p:nvSpPr>
-        <p:spPr/>
-        <p:txBody>
-          <a:bodyPr/>
-          <a:lstStyle/>
-          <a:p>
-            <a:pPr algn="ctr"/>
-            <a:r>
-              <a:rPr lang="zh-CN" altLang="en-US" b="1" dirty="0">
-                <a:latin typeface="Microsoft JhengHei" panose="020B0604030504040204" pitchFamily="34" charset="-120"/>
-                <a:ea typeface="Microsoft JhengHei" panose="020B0604030504040204" pitchFamily="34" charset="-120"/>
-              </a:rPr>
-              <a:t>充滿我</a:t>
-            </a:r>
-            <a:endParaRPr lang="en-US" b="1" dirty="0">
-              <a:latin typeface="Microsoft JhengHei" panose="020B0604030504040204" pitchFamily="34" charset="-120"/>
-              <a:ea typeface="Microsoft JhengHei" panose="020B0604030504040204" pitchFamily="34" charset="-120"/>
-            </a:endParaRPr>
-          </a:p>
-        </p:txBody>
-      </p:sp>
-      <p:sp>
-        <p:nvSpPr>
-          <p:cNvPr id="3" name="Content Placeholder 2">
-            <a:extLst>
-              <a:ext uri="{FF2B5EF4-FFF2-40B4-BE49-F238E27FC236}">
-                <a16:creationId xmlns:a16="http://schemas.microsoft.com/office/drawing/2014/main" xmlns="" id="{5D99624C-92D2-4704-98F5-EA3D1B79589B}"/>
-              </a:ext>
-            </a:extLst>
-          </p:cNvPr>
-          <p:cNvSpPr>
-            <a:spLocks noGrp="1"/>
-          </p:cNvSpPr>
-          <p:nvPr>
-            <p:ph idx="1"/>
-          </p:nvPr>
-        </p:nvSpPr>
-        <p:spPr/>
-        <p:txBody>
-          <a:bodyPr>
-            <a:normAutofit/>
-          </a:bodyPr>
-          <a:lstStyle/>
-          <a:p>
-            <a:pPr marL="0" indent="0" algn="ctr">
-              <a:buNone/>
-            </a:pPr>
-            <a:r>
-              <a:rPr lang="zh-CN" altLang="en-US" sz="5400" b="1" dirty="0">
-                <a:latin typeface="Microsoft JhengHei" panose="020B0604030504040204" pitchFamily="34" charset="-120"/>
-                <a:ea typeface="Microsoft JhengHei" panose="020B0604030504040204" pitchFamily="34" charset="-120"/>
-              </a:rPr>
-              <a:t>有如渴鹿愛慕溪水</a:t>
-            </a:r>
-            <a:endParaRPr lang="en-US" altLang="zh-CN" sz="5400" b="1" dirty="0">
-              <a:latin typeface="Microsoft JhengHei" panose="020B0604030504040204" pitchFamily="34" charset="-120"/>
-              <a:ea typeface="Microsoft JhengHei" panose="020B0604030504040204" pitchFamily="34" charset="-120"/>
-            </a:endParaRPr>
-          </a:p>
-          <a:p>
-            <a:pPr marL="0" indent="0" algn="ctr">
-              <a:buNone/>
-            </a:pPr>
-            <a:r>
-              <a:rPr lang="zh-CN" altLang="en-US" sz="5400" b="1" dirty="0">
-                <a:latin typeface="Microsoft JhengHei" panose="020B0604030504040204" pitchFamily="34" charset="-120"/>
-                <a:ea typeface="Microsoft JhengHei" panose="020B0604030504040204" pitchFamily="34" charset="-120"/>
-              </a:rPr>
-              <a:t>我心渴慕主恩惠</a:t>
-            </a:r>
-            <a:endParaRPr lang="en-US" altLang="zh-CN" sz="5400" b="1" dirty="0">
-              <a:latin typeface="Microsoft JhengHei" panose="020B0604030504040204" pitchFamily="34" charset="-120"/>
-              <a:ea typeface="Microsoft JhengHei" panose="020B0604030504040204" pitchFamily="34" charset="-120"/>
-            </a:endParaRPr>
-          </a:p>
-          <a:p>
-            <a:pPr marL="0" indent="0" algn="ctr">
-              <a:buNone/>
-            </a:pPr>
-            <a:r>
-              <a:rPr lang="zh-CN" altLang="en-US" sz="5400" b="1" dirty="0">
-                <a:latin typeface="Microsoft JhengHei" panose="020B0604030504040204" pitchFamily="34" charset="-120"/>
-                <a:ea typeface="Microsoft JhengHei" panose="020B0604030504040204" pitchFamily="34" charset="-120"/>
-              </a:rPr>
-              <a:t>活水江河願主湧起</a:t>
-            </a:r>
-            <a:endParaRPr lang="en-US" altLang="zh-CN" sz="5400" b="1" dirty="0">
-              <a:latin typeface="Microsoft JhengHei" panose="020B0604030504040204" pitchFamily="34" charset="-120"/>
-              <a:ea typeface="Microsoft JhengHei" panose="020B0604030504040204" pitchFamily="34" charset="-120"/>
-            </a:endParaRPr>
-          </a:p>
-          <a:p>
-            <a:pPr marL="0" indent="0" algn="ctr">
-              <a:buNone/>
-            </a:pPr>
-            <a:r>
-              <a:rPr lang="zh-CN" altLang="en-US" sz="5400" b="1" dirty="0">
-                <a:latin typeface="Microsoft JhengHei" panose="020B0604030504040204" pitchFamily="34" charset="-120"/>
-                <a:ea typeface="Microsoft JhengHei" panose="020B0604030504040204" pitchFamily="34" charset="-120"/>
-              </a:rPr>
-              <a:t>在我心中流不息</a:t>
-            </a:r>
-            <a:endParaRPr lang="en-US" altLang="zh-CN" sz="5400" b="1" dirty="0">
-              <a:latin typeface="Microsoft JhengHei" panose="020B0604030504040204" pitchFamily="34" charset="-120"/>
-              <a:ea typeface="Microsoft JhengHei" panose="020B0604030504040204" pitchFamily="34" charset="-120"/>
-            </a:endParaRPr>
-          </a:p>
-        </p:txBody>
-      </p:sp>
-    </p:spTree>
-    <p:extLst>
-      <p:ext uri="{BB962C8B-B14F-4D97-AF65-F5344CB8AC3E}">
-        <p14:creationId xmlns:p14="http://schemas.microsoft.com/office/powerpoint/2010/main" xmlns="" val="3805293408"/>
-      </p:ext>
-    </p:extLst>
-  </p:cSld>
-  <p:clrMapOvr>
-    <a:masterClrMapping/>
-  </p:clrMapOvr>
-</p:sld>
-</file>
-
-<file path=ppt/slides/slide6.xml><?xml version="1.0" encoding="utf-8"?>
-<p:sld xmlns:a="http://schemas.openxmlformats.org/drawingml/2006/main" xmlns:r="http://schemas.openxmlformats.org/officeDocument/2006/relationships" xmlns:p="http://schemas.openxmlformats.org/presentationml/2006/main">
-  <p:cSld>
-    <p:spTree>
-      <p:nvGrpSpPr>
-        <p:cNvPr id="1" name=""/>
-        <p:cNvGrpSpPr/>
-        <p:nvPr/>
-      </p:nvGrpSpPr>
-      <p:grpSpPr>
-        <a:xfrm>
-          <a:off x="0" y="0"/>
-          <a:ext cx="0" cy="0"/>
-          <a:chOff x="0" y="0"/>
-          <a:chExt cx="0" cy="0"/>
-        </a:xfrm>
-      </p:grpSpPr>
-      <p:sp>
-        <p:nvSpPr>
-          <p:cNvPr id="2" name="Title 1">
-            <a:extLst>
-              <a:ext uri="{FF2B5EF4-FFF2-40B4-BE49-F238E27FC236}">
-                <a16:creationId xmlns:a16="http://schemas.microsoft.com/office/drawing/2014/main" xmlns="" id="{087CBC1E-F37A-4D1B-B473-0BF3635162D9}"/>
-              </a:ext>
-            </a:extLst>
-          </p:cNvPr>
-          <p:cNvSpPr>
-            <a:spLocks noGrp="1"/>
-          </p:cNvSpPr>
-          <p:nvPr>
-            <p:ph type="title"/>
-          </p:nvPr>
-        </p:nvSpPr>
-        <p:spPr/>
-        <p:txBody>
-          <a:bodyPr/>
-          <a:lstStyle/>
-          <a:p>
-            <a:pPr algn="ctr"/>
-            <a:r>
-              <a:rPr lang="zh-CN" altLang="en-US" b="1" dirty="0">
-                <a:latin typeface="Microsoft JhengHei" panose="020B0604030504040204" pitchFamily="34" charset="-120"/>
-                <a:ea typeface="Microsoft JhengHei" panose="020B0604030504040204" pitchFamily="34" charset="-120"/>
-              </a:rPr>
-              <a:t>充滿我</a:t>
-            </a:r>
-            <a:endParaRPr lang="en-US" b="1" dirty="0">
-              <a:latin typeface="Microsoft JhengHei" panose="020B0604030504040204" pitchFamily="34" charset="-120"/>
-              <a:ea typeface="Microsoft JhengHei" panose="020B0604030504040204" pitchFamily="34" charset="-120"/>
-            </a:endParaRPr>
-          </a:p>
-        </p:txBody>
-      </p:sp>
-      <p:sp>
-        <p:nvSpPr>
-          <p:cNvPr id="3" name="Content Placeholder 2">
-            <a:extLst>
-              <a:ext uri="{FF2B5EF4-FFF2-40B4-BE49-F238E27FC236}">
-                <a16:creationId xmlns:a16="http://schemas.microsoft.com/office/drawing/2014/main" xmlns="" id="{5D99624C-92D2-4704-98F5-EA3D1B79589B}"/>
-              </a:ext>
-            </a:extLst>
-          </p:cNvPr>
-          <p:cNvSpPr>
-            <a:spLocks noGrp="1"/>
-          </p:cNvSpPr>
-          <p:nvPr>
-            <p:ph idx="1"/>
-          </p:nvPr>
-        </p:nvSpPr>
-        <p:spPr/>
-        <p:txBody>
-          <a:bodyPr>
-            <a:normAutofit/>
-          </a:bodyPr>
-          <a:lstStyle/>
-          <a:p>
-            <a:pPr marL="0" indent="0" algn="ctr">
-              <a:buNone/>
-            </a:pPr>
-            <a:r>
-              <a:rPr lang="zh-CN" altLang="en-US" sz="5400" b="1" dirty="0">
-                <a:latin typeface="Microsoft JhengHei" panose="020B0604030504040204" pitchFamily="34" charset="-120"/>
-                <a:ea typeface="Microsoft JhengHei" panose="020B0604030504040204" pitchFamily="34" charset="-120"/>
-              </a:rPr>
-              <a:t>充滿我充滿我</a:t>
-            </a:r>
-            <a:endParaRPr lang="en-US" altLang="zh-CN" sz="5400" b="1" dirty="0">
-              <a:latin typeface="Microsoft JhengHei" panose="020B0604030504040204" pitchFamily="34" charset="-120"/>
-              <a:ea typeface="Microsoft JhengHei" panose="020B0604030504040204" pitchFamily="34" charset="-120"/>
-            </a:endParaRPr>
-          </a:p>
-          <a:p>
-            <a:pPr marL="0" indent="0" algn="ctr">
-              <a:buNone/>
-            </a:pPr>
-            <a:r>
-              <a:rPr lang="zh-CN" altLang="en-US" sz="5400" b="1" dirty="0">
-                <a:latin typeface="Microsoft JhengHei" panose="020B0604030504040204" pitchFamily="34" charset="-120"/>
-                <a:ea typeface="Microsoft JhengHei" panose="020B0604030504040204" pitchFamily="34" charset="-120"/>
-              </a:rPr>
-              <a:t>求耶穌來充滿我</a:t>
-            </a:r>
-            <a:endParaRPr lang="en-US" altLang="zh-CN" sz="5400" b="1" dirty="0">
-              <a:latin typeface="Microsoft JhengHei" panose="020B0604030504040204" pitchFamily="34" charset="-120"/>
-              <a:ea typeface="Microsoft JhengHei" panose="020B0604030504040204" pitchFamily="34" charset="-120"/>
-            </a:endParaRPr>
-          </a:p>
-          <a:p>
-            <a:pPr marL="0" indent="0" algn="ctr">
-              <a:buNone/>
-            </a:pPr>
-            <a:r>
-              <a:rPr lang="zh-CN" altLang="en-US" sz="5400" b="1" dirty="0">
-                <a:latin typeface="Microsoft JhengHei" panose="020B0604030504040204" pitchFamily="34" charset="-120"/>
-                <a:ea typeface="Microsoft JhengHei" panose="020B0604030504040204" pitchFamily="34" charset="-120"/>
-              </a:rPr>
-              <a:t>榮耀聖靈來充滿我</a:t>
-            </a:r>
-            <a:endParaRPr lang="en-US" altLang="zh-CN" sz="5400" b="1" dirty="0">
-              <a:latin typeface="Microsoft JhengHei" panose="020B0604030504040204" pitchFamily="34" charset="-120"/>
-              <a:ea typeface="Microsoft JhengHei" panose="020B0604030504040204" pitchFamily="34" charset="-120"/>
-            </a:endParaRPr>
-          </a:p>
-          <a:p>
-            <a:pPr marL="0" indent="0" algn="ctr">
-              <a:buNone/>
-            </a:pPr>
-            <a:r>
-              <a:rPr lang="zh-CN" altLang="en-US" sz="5400" b="1" dirty="0">
-                <a:latin typeface="Microsoft JhengHei" panose="020B0604030504040204" pitchFamily="34" charset="-120"/>
-                <a:ea typeface="Microsoft JhengHei" panose="020B0604030504040204" pitchFamily="34" charset="-120"/>
-              </a:rPr>
-              <a:t>願主現在充滿我</a:t>
-            </a:r>
-            <a:endParaRPr lang="en-US" altLang="zh-CN" sz="5400" b="1" dirty="0">
-              <a:latin typeface="Microsoft JhengHei" panose="020B0604030504040204" pitchFamily="34" charset="-120"/>
-              <a:ea typeface="Microsoft JhengHei" panose="020B0604030504040204" pitchFamily="34" charset="-120"/>
-            </a:endParaRPr>
-          </a:p>
-        </p:txBody>
-      </p:sp>
-    </p:spTree>
-    <p:extLst>
-      <p:ext uri="{BB962C8B-B14F-4D97-AF65-F5344CB8AC3E}">
-        <p14:creationId xmlns:p14="http://schemas.microsoft.com/office/powerpoint/2010/main" xmlns="" val="293363661"/>
-      </p:ext>
-    </p:extLst>
-  </p:cSld>
-  <p:clrMapOvr>
-    <a:masterClrMapping/>
-  </p:clrMapOvr>
-</p:sld>
-</file>
-
-<file path=ppt/slides/slide7.xml><?xml version="1.0" encoding="utf-8"?>
-<p:sld xmlns:a="http://schemas.openxmlformats.org/drawingml/2006/main" xmlns:r="http://schemas.openxmlformats.org/officeDocument/2006/relationships" xmlns:p="http://schemas.openxmlformats.org/presentationml/2006/main">
-  <p:cSld>
-    <p:spTree>
-      <p:nvGrpSpPr>
-        <p:cNvPr id="1" name=""/>
-        <p:cNvGrpSpPr/>
-        <p:nvPr/>
-      </p:nvGrpSpPr>
-      <p:grpSpPr>
-        <a:xfrm>
-          <a:off x="0" y="0"/>
-          <a:ext cx="0" cy="0"/>
-          <a:chOff x="0" y="0"/>
-          <a:chExt cx="0" cy="0"/>
-        </a:xfrm>
-      </p:grpSpPr>
-      <p:sp>
-        <p:nvSpPr>
-          <p:cNvPr id="2" name="Title 1">
-            <a:extLst>
-              <a:ext uri="{FF2B5EF4-FFF2-40B4-BE49-F238E27FC236}">
-                <a16:creationId xmlns:a16="http://schemas.microsoft.com/office/drawing/2014/main" xmlns="" id="{087CBC1E-F37A-4D1B-B473-0BF3635162D9}"/>
-              </a:ext>
-            </a:extLst>
-          </p:cNvPr>
-          <p:cNvSpPr>
-            <a:spLocks noGrp="1"/>
-          </p:cNvSpPr>
-          <p:nvPr>
-            <p:ph type="title"/>
-          </p:nvPr>
-        </p:nvSpPr>
-        <p:spPr/>
-        <p:txBody>
-          <a:bodyPr/>
-          <a:lstStyle/>
-          <a:p>
-            <a:pPr algn="ctr"/>
-            <a:r>
-              <a:rPr lang="zh-CN" altLang="en-US" b="1" dirty="0">
-                <a:latin typeface="Microsoft JhengHei" panose="020B0604030504040204" pitchFamily="34" charset="-120"/>
-                <a:ea typeface="Microsoft JhengHei" panose="020B0604030504040204" pitchFamily="34" charset="-120"/>
-              </a:rPr>
-              <a:t>充滿我</a:t>
-            </a:r>
-            <a:endParaRPr lang="en-US" b="1" dirty="0">
-              <a:latin typeface="Microsoft JhengHei" panose="020B0604030504040204" pitchFamily="34" charset="-120"/>
-              <a:ea typeface="Microsoft JhengHei" panose="020B0604030504040204" pitchFamily="34" charset="-120"/>
-            </a:endParaRPr>
-          </a:p>
-        </p:txBody>
-      </p:sp>
-      <p:sp>
-        <p:nvSpPr>
-          <p:cNvPr id="3" name="Content Placeholder 2">
-            <a:extLst>
-              <a:ext uri="{FF2B5EF4-FFF2-40B4-BE49-F238E27FC236}">
-                <a16:creationId xmlns:a16="http://schemas.microsoft.com/office/drawing/2014/main" xmlns="" id="{5D99624C-92D2-4704-98F5-EA3D1B79589B}"/>
-              </a:ext>
-            </a:extLst>
-          </p:cNvPr>
-          <p:cNvSpPr>
-            <a:spLocks noGrp="1"/>
-          </p:cNvSpPr>
-          <p:nvPr>
-            <p:ph idx="1"/>
-          </p:nvPr>
-        </p:nvSpPr>
-        <p:spPr/>
-        <p:txBody>
-          <a:bodyPr>
-            <a:normAutofit/>
-          </a:bodyPr>
-          <a:lstStyle/>
-          <a:p>
-            <a:pPr marL="0" indent="0" algn="ctr">
-              <a:buNone/>
-            </a:pPr>
-            <a:r>
-              <a:rPr lang="zh-CN" altLang="en-US" sz="5400" b="1" dirty="0">
-                <a:latin typeface="Microsoft JhengHei" panose="020B0604030504040204" pitchFamily="34" charset="-120"/>
-                <a:ea typeface="Microsoft JhengHei" panose="020B0604030504040204" pitchFamily="34" charset="-120"/>
-              </a:rPr>
-              <a:t>不是倚靠勢力才能</a:t>
-            </a:r>
-            <a:endParaRPr lang="en-US" altLang="zh-CN" sz="5400" b="1" dirty="0">
-              <a:latin typeface="Microsoft JhengHei" panose="020B0604030504040204" pitchFamily="34" charset="-120"/>
-              <a:ea typeface="Microsoft JhengHei" panose="020B0604030504040204" pitchFamily="34" charset="-120"/>
-            </a:endParaRPr>
-          </a:p>
-          <a:p>
-            <a:pPr marL="0" indent="0" algn="ctr">
-              <a:buNone/>
-            </a:pPr>
-            <a:r>
-              <a:rPr lang="zh-CN" altLang="en-US" sz="5400" b="1" dirty="0">
-                <a:latin typeface="Microsoft JhengHei" panose="020B0604030504040204" pitchFamily="34" charset="-120"/>
-                <a:ea typeface="Microsoft JhengHei" panose="020B0604030504040204" pitchFamily="34" charset="-120"/>
-              </a:rPr>
-              <a:t>惟獨仰賴主聖靈</a:t>
-            </a:r>
-            <a:endParaRPr lang="en-US" altLang="zh-CN" sz="5400" b="1" dirty="0">
-              <a:latin typeface="Microsoft JhengHei" panose="020B0604030504040204" pitchFamily="34" charset="-120"/>
-              <a:ea typeface="Microsoft JhengHei" panose="020B0604030504040204" pitchFamily="34" charset="-120"/>
-            </a:endParaRPr>
-          </a:p>
-          <a:p>
-            <a:pPr marL="0" indent="0" algn="ctr">
-              <a:buNone/>
-            </a:pPr>
-            <a:r>
-              <a:rPr lang="zh-CN" altLang="en-US" sz="5400" b="1" dirty="0">
-                <a:latin typeface="Microsoft JhengHei" panose="020B0604030504040204" pitchFamily="34" charset="-120"/>
-                <a:ea typeface="Microsoft JhengHei" panose="020B0604030504040204" pitchFamily="34" charset="-120"/>
-              </a:rPr>
-              <a:t>主能慰我主能救我</a:t>
-            </a:r>
-            <a:endParaRPr lang="en-US" altLang="zh-CN" sz="5400" b="1" dirty="0">
-              <a:latin typeface="Microsoft JhengHei" panose="020B0604030504040204" pitchFamily="34" charset="-120"/>
-              <a:ea typeface="Microsoft JhengHei" panose="020B0604030504040204" pitchFamily="34" charset="-120"/>
-            </a:endParaRPr>
-          </a:p>
-          <a:p>
-            <a:pPr marL="0" indent="0" algn="ctr">
-              <a:buNone/>
-            </a:pPr>
-            <a:r>
-              <a:rPr lang="zh-CN" altLang="en-US" sz="5400" b="1" dirty="0">
-                <a:latin typeface="Microsoft JhengHei" panose="020B0604030504040204" pitchFamily="34" charset="-120"/>
-                <a:ea typeface="Microsoft JhengHei" panose="020B0604030504040204" pitchFamily="34" charset="-120"/>
-              </a:rPr>
-              <a:t>願主現在充滿我</a:t>
-            </a:r>
-            <a:endParaRPr lang="en-US" altLang="zh-CN" sz="5400" b="1" dirty="0">
-              <a:latin typeface="Microsoft JhengHei" panose="020B0604030504040204" pitchFamily="34" charset="-120"/>
-              <a:ea typeface="Microsoft JhengHei" panose="020B0604030504040204" pitchFamily="34" charset="-120"/>
-            </a:endParaRPr>
-          </a:p>
-        </p:txBody>
-      </p:sp>
-    </p:spTree>
-    <p:extLst>
-      <p:ext uri="{BB962C8B-B14F-4D97-AF65-F5344CB8AC3E}">
-        <p14:creationId xmlns:p14="http://schemas.microsoft.com/office/powerpoint/2010/main" xmlns="" val="2960648063"/>
-      </p:ext>
-    </p:extLst>
-  </p:cSld>
-  <p:clrMapOvr>
-    <a:masterClrMapping/>
-  </p:clrMapOvr>
-</p:sld>
-</file>
-
-<file path=ppt/slides/slide8.xml><?xml version="1.0" encoding="utf-8"?>
-<p:sld xmlns:a="http://schemas.openxmlformats.org/drawingml/2006/main" xmlns:r="http://schemas.openxmlformats.org/officeDocument/2006/relationships" xmlns:p="http://schemas.openxmlformats.org/presentationml/2006/main">
-  <p:cSld>
-    <p:spTree>
-      <p:nvGrpSpPr>
-        <p:cNvPr id="1" name=""/>
-        <p:cNvGrpSpPr/>
-        <p:nvPr/>
-      </p:nvGrpSpPr>
-      <p:grpSpPr>
-        <a:xfrm>
-          <a:off x="0" y="0"/>
-          <a:ext cx="0" cy="0"/>
-          <a:chOff x="0" y="0"/>
-          <a:chExt cx="0" cy="0"/>
-        </a:xfrm>
-      </p:grpSpPr>
-      <p:sp>
-        <p:nvSpPr>
-          <p:cNvPr id="2" name="Title 1">
-            <a:extLst>
-              <a:ext uri="{FF2B5EF4-FFF2-40B4-BE49-F238E27FC236}">
-                <a16:creationId xmlns:a16="http://schemas.microsoft.com/office/drawing/2014/main" xmlns="" id="{087CBC1E-F37A-4D1B-B473-0BF3635162D9}"/>
-              </a:ext>
-            </a:extLst>
-          </p:cNvPr>
-          <p:cNvSpPr>
-            <a:spLocks noGrp="1"/>
-          </p:cNvSpPr>
-          <p:nvPr>
-            <p:ph type="title"/>
-          </p:nvPr>
-        </p:nvSpPr>
-        <p:spPr/>
-        <p:txBody>
-          <a:bodyPr/>
-          <a:lstStyle/>
-          <a:p>
-            <a:pPr algn="ctr"/>
-            <a:r>
-              <a:rPr lang="zh-CN" altLang="en-US" b="1" dirty="0">
-                <a:latin typeface="Microsoft JhengHei" panose="020B0604030504040204" pitchFamily="34" charset="-120"/>
-                <a:ea typeface="Microsoft JhengHei" panose="020B0604030504040204" pitchFamily="34" charset="-120"/>
-              </a:rPr>
-              <a:t>充滿我</a:t>
-            </a:r>
-            <a:endParaRPr lang="en-US" b="1" dirty="0">
-              <a:latin typeface="Microsoft JhengHei" panose="020B0604030504040204" pitchFamily="34" charset="-120"/>
-              <a:ea typeface="Microsoft JhengHei" panose="020B0604030504040204" pitchFamily="34" charset="-120"/>
-            </a:endParaRPr>
-          </a:p>
-        </p:txBody>
-      </p:sp>
-      <p:sp>
-        <p:nvSpPr>
-          <p:cNvPr id="3" name="Content Placeholder 2">
-            <a:extLst>
-              <a:ext uri="{FF2B5EF4-FFF2-40B4-BE49-F238E27FC236}">
-                <a16:creationId xmlns:a16="http://schemas.microsoft.com/office/drawing/2014/main" xmlns="" id="{5D99624C-92D2-4704-98F5-EA3D1B79589B}"/>
-              </a:ext>
-            </a:extLst>
-          </p:cNvPr>
-          <p:cNvSpPr>
-            <a:spLocks noGrp="1"/>
-          </p:cNvSpPr>
-          <p:nvPr>
-            <p:ph idx="1"/>
-          </p:nvPr>
-        </p:nvSpPr>
-        <p:spPr/>
-        <p:txBody>
-          <a:bodyPr>
-            <a:normAutofit/>
-          </a:bodyPr>
-          <a:lstStyle/>
-          <a:p>
-            <a:pPr marL="0" indent="0" algn="ctr">
-              <a:buNone/>
-            </a:pPr>
-            <a:r>
-              <a:rPr lang="zh-CN" altLang="en-US" sz="5400" b="1" dirty="0">
-                <a:latin typeface="Microsoft JhengHei" panose="020B0604030504040204" pitchFamily="34" charset="-120"/>
-                <a:ea typeface="Microsoft JhengHei" panose="020B0604030504040204" pitchFamily="34" charset="-120"/>
-              </a:rPr>
-              <a:t>充滿我充滿我</a:t>
-            </a:r>
-            <a:endParaRPr lang="en-US" altLang="zh-CN" sz="5400" b="1" dirty="0">
-              <a:latin typeface="Microsoft JhengHei" panose="020B0604030504040204" pitchFamily="34" charset="-120"/>
-              <a:ea typeface="Microsoft JhengHei" panose="020B0604030504040204" pitchFamily="34" charset="-120"/>
-            </a:endParaRPr>
-          </a:p>
-          <a:p>
-            <a:pPr marL="0" indent="0" algn="ctr">
-              <a:buNone/>
-            </a:pPr>
-            <a:r>
-              <a:rPr lang="zh-CN" altLang="en-US" sz="5400" b="1" dirty="0">
-                <a:latin typeface="Microsoft JhengHei" panose="020B0604030504040204" pitchFamily="34" charset="-120"/>
-                <a:ea typeface="Microsoft JhengHei" panose="020B0604030504040204" pitchFamily="34" charset="-120"/>
-              </a:rPr>
-              <a:t>求耶穌來充滿我</a:t>
-            </a:r>
-            <a:endParaRPr lang="en-US" altLang="zh-CN" sz="5400" b="1" dirty="0">
-              <a:latin typeface="Microsoft JhengHei" panose="020B0604030504040204" pitchFamily="34" charset="-120"/>
-              <a:ea typeface="Microsoft JhengHei" panose="020B0604030504040204" pitchFamily="34" charset="-120"/>
-            </a:endParaRPr>
-          </a:p>
-          <a:p>
-            <a:pPr marL="0" indent="0" algn="ctr">
-              <a:buNone/>
-            </a:pPr>
-            <a:r>
-              <a:rPr lang="zh-CN" altLang="en-US" sz="5400" b="1" dirty="0">
-                <a:latin typeface="Microsoft JhengHei" panose="020B0604030504040204" pitchFamily="34" charset="-120"/>
-                <a:ea typeface="Microsoft JhengHei" panose="020B0604030504040204" pitchFamily="34" charset="-120"/>
-              </a:rPr>
-              <a:t>榮耀聖靈來充滿我</a:t>
-            </a:r>
-            <a:endParaRPr lang="en-US" altLang="zh-CN" sz="5400" b="1" dirty="0">
-              <a:latin typeface="Microsoft JhengHei" panose="020B0604030504040204" pitchFamily="34" charset="-120"/>
-              <a:ea typeface="Microsoft JhengHei" panose="020B0604030504040204" pitchFamily="34" charset="-120"/>
-            </a:endParaRPr>
-          </a:p>
-          <a:p>
-            <a:pPr marL="0" indent="0" algn="ctr">
-              <a:buNone/>
-            </a:pPr>
-            <a:r>
-              <a:rPr lang="zh-CN" altLang="en-US" sz="5400" b="1" dirty="0">
-                <a:latin typeface="Microsoft JhengHei" panose="020B0604030504040204" pitchFamily="34" charset="-120"/>
-                <a:ea typeface="Microsoft JhengHei" panose="020B0604030504040204" pitchFamily="34" charset="-120"/>
-              </a:rPr>
-              <a:t>願主現在充滿我</a:t>
-            </a:r>
-            <a:endParaRPr lang="en-US" altLang="zh-CN" sz="5400" b="1" dirty="0">
-              <a:latin typeface="Microsoft JhengHei" panose="020B0604030504040204" pitchFamily="34" charset="-120"/>
-              <a:ea typeface="Microsoft JhengHei" panose="020B0604030504040204" pitchFamily="34" charset="-120"/>
-            </a:endParaRPr>
-          </a:p>
-        </p:txBody>
-      </p:sp>
-    </p:spTree>
-    <p:extLst>
-      <p:ext uri="{BB962C8B-B14F-4D97-AF65-F5344CB8AC3E}">
-        <p14:creationId xmlns:p14="http://schemas.microsoft.com/office/powerpoint/2010/main" xmlns="" val="1405819617"/>
+        <p14:creationId xmlns:p14="http://schemas.microsoft.com/office/powerpoint/2010/main" val="1057455546"/>
       </p:ext>
     </p:extLst>
   </p:cSld>
